--- a/docs/bitsnarl_figs.pptx
+++ b/docs/bitsnarl_figs.pptx
@@ -3808,6 +3808,9 @@
           <a:p>
             <a:r>
               <a:rPr kumimoji="1" lang="en-US" altLang="ja-JP" b="1" dirty="0">
+                <a:solidFill>
+                  <a:schemeClr val="accent1"/>
+                </a:solidFill>
                 <a:latin typeface="Cascadia Code" panose="020B0609020000020004" pitchFamily="49" charset="0"/>
                 <a:ea typeface="Cascadia Code" panose="020B0609020000020004" pitchFamily="49" charset="0"/>
                 <a:cs typeface="Cascadia Code" panose="020B0609020000020004" pitchFamily="49" charset="0"/>
@@ -3815,6 +3818,9 @@
               <a:t>00000011 00110001 10111110 11011111</a:t>
             </a:r>
             <a:endParaRPr kumimoji="1" lang="ja-JP" altLang="en-US" b="1" dirty="0">
+              <a:solidFill>
+                <a:schemeClr val="accent1"/>
+              </a:solidFill>
               <a:latin typeface="Cascadia Code" panose="020B0609020000020004" pitchFamily="49" charset="0"/>
               <a:cs typeface="Cascadia Code" panose="020B0609020000020004" pitchFamily="49" charset="0"/>
             </a:endParaRPr>
@@ -4017,6 +4023,9 @@
           <a:p>
             <a:r>
               <a:rPr kumimoji="1" lang="en-US" altLang="ja-JP" b="1" dirty="0">
+                <a:solidFill>
+                  <a:schemeClr val="accent1"/>
+                </a:solidFill>
                 <a:latin typeface="Cascadia Code" panose="020B0609020000020004" pitchFamily="49" charset="0"/>
                 <a:cs typeface="Cascadia Code" panose="020B0609020000020004" pitchFamily="49" charset="0"/>
               </a:rPr>
@@ -4034,12 +4043,18 @@
             </a:r>
             <a:r>
               <a:rPr kumimoji="1" lang="en-US" altLang="ja-JP" b="1" dirty="0">
+                <a:solidFill>
+                  <a:schemeClr val="accent1"/>
+                </a:solidFill>
                 <a:latin typeface="Cascadia Code" panose="020B0609020000020004" pitchFamily="49" charset="0"/>
                 <a:cs typeface="Cascadia Code" panose="020B0609020000020004" pitchFamily="49" charset="0"/>
               </a:rPr>
               <a:t>1 10111110 11011111</a:t>
             </a:r>
             <a:endParaRPr kumimoji="1" lang="ja-JP" altLang="en-US" b="1" dirty="0">
+              <a:solidFill>
+                <a:schemeClr val="accent1"/>
+              </a:solidFill>
               <a:latin typeface="Cascadia Code" panose="020B0609020000020004" pitchFamily="49" charset="0"/>
               <a:cs typeface="Cascadia Code" panose="020B0609020000020004" pitchFamily="49" charset="0"/>
             </a:endParaRPr>
@@ -4076,6 +4091,9 @@
           <a:p>
             <a:r>
               <a:rPr kumimoji="1" lang="en-US" altLang="ja-JP" b="1" dirty="0">
+                <a:solidFill>
+                  <a:schemeClr val="accent1"/>
+                </a:solidFill>
                 <a:latin typeface="Cascadia Code" panose="020B0609020000020004" pitchFamily="49" charset="0"/>
                 <a:ea typeface="Cascadia Code" panose="020B0609020000020004" pitchFamily="49" charset="0"/>
                 <a:cs typeface="Cascadia Code" panose="020B0609020000020004" pitchFamily="49" charset="0"/>
@@ -4083,6 +4101,9 @@
               <a:t>00000011 00110001 10111110 11011111</a:t>
             </a:r>
             <a:endParaRPr kumimoji="1" lang="ja-JP" altLang="en-US" b="1" dirty="0">
+              <a:solidFill>
+                <a:schemeClr val="accent1"/>
+              </a:solidFill>
               <a:latin typeface="Cascadia Code" panose="020B0609020000020004" pitchFamily="49" charset="0"/>
               <a:cs typeface="Cascadia Code" panose="020B0609020000020004" pitchFamily="49" charset="0"/>
             </a:endParaRPr>

--- a/docs/bitsnarl_figs.pptx
+++ b/docs/bitsnarl_figs.pptx
@@ -6,6 +6,7 @@
   </p:sldMasterIdLst>
   <p:sldIdLst>
     <p:sldId id="256" r:id="rId2"/>
+    <p:sldId id="257" r:id="rId3"/>
   </p:sldIdLst>
   <p:sldSz cx="12192000" cy="6858000"/>
   <p:notesSz cx="6858000" cy="9144000"/>
@@ -3720,6 +3721,9 @@
           <a:p>
             <a:r>
               <a:rPr kumimoji="1" lang="en-US" altLang="ja-JP" b="1" dirty="0">
+                <a:solidFill>
+                  <a:srgbClr val="4472C4"/>
+                </a:solidFill>
                 <a:latin typeface="Cascadia Code" panose="020B0609020000020004" pitchFamily="49" charset="0"/>
                 <a:ea typeface="Cascadia Code" panose="020B0609020000020004" pitchFamily="49" charset="0"/>
                 <a:cs typeface="Cascadia Code" panose="020B0609020000020004" pitchFamily="49" charset="0"/>
@@ -3727,6 +3731,9 @@
               <a:t>01001100 01101111 01110110 01100101</a:t>
             </a:r>
             <a:endParaRPr kumimoji="1" lang="ja-JP" altLang="en-US" b="1" dirty="0">
+              <a:solidFill>
+                <a:srgbClr val="4472C4"/>
+              </a:solidFill>
               <a:latin typeface="Cascadia Code" panose="020B0609020000020004" pitchFamily="49" charset="0"/>
               <a:cs typeface="Cascadia Code" panose="020B0609020000020004" pitchFamily="49" charset="0"/>
             </a:endParaRPr>
@@ -3808,9 +3815,6 @@
           <a:p>
             <a:r>
               <a:rPr kumimoji="1" lang="en-US" altLang="ja-JP" b="1" dirty="0">
-                <a:solidFill>
-                  <a:schemeClr val="accent1"/>
-                </a:solidFill>
                 <a:latin typeface="Cascadia Code" panose="020B0609020000020004" pitchFamily="49" charset="0"/>
                 <a:ea typeface="Cascadia Code" panose="020B0609020000020004" pitchFamily="49" charset="0"/>
                 <a:cs typeface="Cascadia Code" panose="020B0609020000020004" pitchFamily="49" charset="0"/>
@@ -3818,9 +3822,6 @@
               <a:t>00000011 00110001 10111110 11011111</a:t>
             </a:r>
             <a:endParaRPr kumimoji="1" lang="ja-JP" altLang="en-US" b="1" dirty="0">
-              <a:solidFill>
-                <a:schemeClr val="accent1"/>
-              </a:solidFill>
               <a:latin typeface="Cascadia Code" panose="020B0609020000020004" pitchFamily="49" charset="0"/>
               <a:cs typeface="Cascadia Code" panose="020B0609020000020004" pitchFamily="49" charset="0"/>
             </a:endParaRPr>
@@ -3857,12 +3858,178 @@
           <a:p>
             <a:r>
               <a:rPr kumimoji="1" lang="en-US" altLang="ja-JP" b="1" dirty="0">
+                <a:solidFill>
+                  <a:srgbClr val="4472C4"/>
+                </a:solidFill>
                 <a:latin typeface="Cascadia Code" panose="020B0609020000020004" pitchFamily="49" charset="0"/>
                 <a:cs typeface="Cascadia Code" panose="020B0609020000020004" pitchFamily="49" charset="0"/>
               </a:rPr>
-              <a:t>00011011 00101110 01000001 10010101</a:t>
+              <a:t>0</a:t>
+            </a:r>
+            <a:r>
+              <a:rPr kumimoji="1" lang="en-US" altLang="ja-JP" b="1" dirty="0">
+                <a:solidFill>
+                  <a:srgbClr val="FF0000"/>
+                </a:solidFill>
+                <a:latin typeface="Cascadia Code" panose="020B0609020000020004" pitchFamily="49" charset="0"/>
+                <a:cs typeface="Cascadia Code" panose="020B0609020000020004" pitchFamily="49" charset="0"/>
+              </a:rPr>
+              <a:t>0</a:t>
+            </a:r>
+            <a:r>
+              <a:rPr kumimoji="1" lang="en-US" altLang="ja-JP" b="1" dirty="0">
+                <a:solidFill>
+                  <a:srgbClr val="4472C4"/>
+                </a:solidFill>
+                <a:latin typeface="Cascadia Code" panose="020B0609020000020004" pitchFamily="49" charset="0"/>
+                <a:cs typeface="Cascadia Code" panose="020B0609020000020004" pitchFamily="49" charset="0"/>
+              </a:rPr>
+              <a:t>0</a:t>
+            </a:r>
+            <a:r>
+              <a:rPr kumimoji="1" lang="en-US" altLang="ja-JP" b="1" dirty="0">
+                <a:solidFill>
+                  <a:srgbClr val="FF0000"/>
+                </a:solidFill>
+                <a:latin typeface="Cascadia Code" panose="020B0609020000020004" pitchFamily="49" charset="0"/>
+                <a:cs typeface="Cascadia Code" panose="020B0609020000020004" pitchFamily="49" charset="0"/>
+              </a:rPr>
+              <a:t>1</a:t>
+            </a:r>
+            <a:r>
+              <a:rPr kumimoji="1" lang="en-US" altLang="ja-JP" b="1" dirty="0">
+                <a:solidFill>
+                  <a:srgbClr val="4472C4"/>
+                </a:solidFill>
+                <a:latin typeface="Cascadia Code" panose="020B0609020000020004" pitchFamily="49" charset="0"/>
+                <a:cs typeface="Cascadia Code" panose="020B0609020000020004" pitchFamily="49" charset="0"/>
+              </a:rPr>
+              <a:t>1</a:t>
+            </a:r>
+            <a:r>
+              <a:rPr kumimoji="1" lang="en-US" altLang="ja-JP" b="1" dirty="0">
+                <a:solidFill>
+                  <a:srgbClr val="FF0000"/>
+                </a:solidFill>
+                <a:latin typeface="Cascadia Code" panose="020B0609020000020004" pitchFamily="49" charset="0"/>
+                <a:cs typeface="Cascadia Code" panose="020B0609020000020004" pitchFamily="49" charset="0"/>
+              </a:rPr>
+              <a:t>011</a:t>
+            </a:r>
+            <a:r>
+              <a:rPr kumimoji="1" lang="en-US" altLang="ja-JP" b="1" dirty="0">
+                <a:solidFill>
+                  <a:srgbClr val="4472C4"/>
+                </a:solidFill>
+                <a:latin typeface="Cascadia Code" panose="020B0609020000020004" pitchFamily="49" charset="0"/>
+                <a:cs typeface="Cascadia Code" panose="020B0609020000020004" pitchFamily="49" charset="0"/>
+              </a:rPr>
+              <a:t> 0</a:t>
+            </a:r>
+            <a:r>
+              <a:rPr kumimoji="1" lang="en-US" altLang="ja-JP" b="1" dirty="0">
+                <a:solidFill>
+                  <a:srgbClr val="FF0000"/>
+                </a:solidFill>
+                <a:latin typeface="Cascadia Code" panose="020B0609020000020004" pitchFamily="49" charset="0"/>
+                <a:cs typeface="Cascadia Code" panose="020B0609020000020004" pitchFamily="49" charset="0"/>
+              </a:rPr>
+              <a:t>0</a:t>
+            </a:r>
+            <a:r>
+              <a:rPr kumimoji="1" lang="en-US" altLang="ja-JP" b="1" dirty="0">
+                <a:solidFill>
+                  <a:srgbClr val="4472C4"/>
+                </a:solidFill>
+                <a:latin typeface="Cascadia Code" panose="020B0609020000020004" pitchFamily="49" charset="0"/>
+                <a:cs typeface="Cascadia Code" panose="020B0609020000020004" pitchFamily="49" charset="0"/>
+              </a:rPr>
+              <a:t>10111</a:t>
+            </a:r>
+            <a:r>
+              <a:rPr kumimoji="1" lang="en-US" altLang="ja-JP" b="1" dirty="0">
+                <a:solidFill>
+                  <a:srgbClr val="FF0000"/>
+                </a:solidFill>
+                <a:latin typeface="Cascadia Code" panose="020B0609020000020004" pitchFamily="49" charset="0"/>
+                <a:cs typeface="Cascadia Code" panose="020B0609020000020004" pitchFamily="49" charset="0"/>
+              </a:rPr>
+              <a:t>0</a:t>
+            </a:r>
+            <a:r>
+              <a:rPr kumimoji="1" lang="en-US" altLang="ja-JP" b="1" dirty="0">
+                <a:solidFill>
+                  <a:srgbClr val="4472C4"/>
+                </a:solidFill>
+                <a:latin typeface="Cascadia Code" panose="020B0609020000020004" pitchFamily="49" charset="0"/>
+                <a:cs typeface="Cascadia Code" panose="020B0609020000020004" pitchFamily="49" charset="0"/>
+              </a:rPr>
+              <a:t> 01</a:t>
+            </a:r>
+            <a:r>
+              <a:rPr kumimoji="1" lang="en-US" altLang="ja-JP" b="1" dirty="0">
+                <a:solidFill>
+                  <a:srgbClr val="FF0000"/>
+                </a:solidFill>
+                <a:latin typeface="Cascadia Code" panose="020B0609020000020004" pitchFamily="49" charset="0"/>
+                <a:cs typeface="Cascadia Code" panose="020B0609020000020004" pitchFamily="49" charset="0"/>
+              </a:rPr>
+              <a:t>00</a:t>
+            </a:r>
+            <a:r>
+              <a:rPr kumimoji="1" lang="en-US" altLang="ja-JP" b="1" dirty="0">
+                <a:solidFill>
+                  <a:srgbClr val="4472C4"/>
+                </a:solidFill>
+                <a:latin typeface="Cascadia Code" panose="020B0609020000020004" pitchFamily="49" charset="0"/>
+                <a:cs typeface="Cascadia Code" panose="020B0609020000020004" pitchFamily="49" charset="0"/>
+              </a:rPr>
+              <a:t>0</a:t>
+            </a:r>
+            <a:r>
+              <a:rPr kumimoji="1" lang="en-US" altLang="ja-JP" b="1" dirty="0">
+                <a:solidFill>
+                  <a:srgbClr val="FF0000"/>
+                </a:solidFill>
+                <a:latin typeface="Cascadia Code" panose="020B0609020000020004" pitchFamily="49" charset="0"/>
+                <a:cs typeface="Cascadia Code" panose="020B0609020000020004" pitchFamily="49" charset="0"/>
+              </a:rPr>
+              <a:t>001</a:t>
+            </a:r>
+            <a:r>
+              <a:rPr kumimoji="1" lang="en-US" altLang="ja-JP" b="1" dirty="0">
+                <a:solidFill>
+                  <a:srgbClr val="4472C4"/>
+                </a:solidFill>
+                <a:latin typeface="Cascadia Code" panose="020B0609020000020004" pitchFamily="49" charset="0"/>
+                <a:cs typeface="Cascadia Code" panose="020B0609020000020004" pitchFamily="49" charset="0"/>
+              </a:rPr>
+              <a:t> </a:t>
+            </a:r>
+            <a:r>
+              <a:rPr kumimoji="1" lang="en-US" altLang="ja-JP" b="1" dirty="0">
+                <a:solidFill>
+                  <a:srgbClr val="FF0000"/>
+                </a:solidFill>
+                <a:latin typeface="Cascadia Code" panose="020B0609020000020004" pitchFamily="49" charset="0"/>
+                <a:cs typeface="Cascadia Code" panose="020B0609020000020004" pitchFamily="49" charset="0"/>
+              </a:rPr>
+              <a:t>1001</a:t>
+            </a:r>
+            <a:r>
+              <a:rPr kumimoji="1" lang="en-US" altLang="ja-JP" b="1" dirty="0">
+                <a:solidFill>
+                  <a:srgbClr val="4472C4"/>
+                </a:solidFill>
+                <a:latin typeface="Cascadia Code" panose="020B0609020000020004" pitchFamily="49" charset="0"/>
+                <a:cs typeface="Cascadia Code" panose="020B0609020000020004" pitchFamily="49" charset="0"/>
+              </a:rPr>
+              <a:t>0101</a:t>
             </a:r>
             <a:endParaRPr kumimoji="1" lang="ja-JP" altLang="en-US" b="1" dirty="0">
+              <a:solidFill>
+                <a:srgbClr val="4472C4"/>
+              </a:solidFill>
               <a:latin typeface="Cascadia Code" panose="020B0609020000020004" pitchFamily="49" charset="0"/>
               <a:cs typeface="Cascadia Code" panose="020B0609020000020004" pitchFamily="49" charset="0"/>
             </a:endParaRPr>
@@ -4023,9 +4190,6 @@
           <a:p>
             <a:r>
               <a:rPr kumimoji="1" lang="en-US" altLang="ja-JP" b="1" dirty="0">
-                <a:solidFill>
-                  <a:schemeClr val="accent1"/>
-                </a:solidFill>
                 <a:latin typeface="Cascadia Code" panose="020B0609020000020004" pitchFamily="49" charset="0"/>
                 <a:cs typeface="Cascadia Code" panose="020B0609020000020004" pitchFamily="49" charset="0"/>
               </a:rPr>
@@ -4043,18 +4207,12 @@
             </a:r>
             <a:r>
               <a:rPr kumimoji="1" lang="en-US" altLang="ja-JP" b="1" dirty="0">
-                <a:solidFill>
-                  <a:schemeClr val="accent1"/>
-                </a:solidFill>
                 <a:latin typeface="Cascadia Code" panose="020B0609020000020004" pitchFamily="49" charset="0"/>
                 <a:cs typeface="Cascadia Code" panose="020B0609020000020004" pitchFamily="49" charset="0"/>
               </a:rPr>
               <a:t>1 10111110 11011111</a:t>
             </a:r>
             <a:endParaRPr kumimoji="1" lang="ja-JP" altLang="en-US" b="1" dirty="0">
-              <a:solidFill>
-                <a:schemeClr val="accent1"/>
-              </a:solidFill>
               <a:latin typeface="Cascadia Code" panose="020B0609020000020004" pitchFamily="49" charset="0"/>
               <a:cs typeface="Cascadia Code" panose="020B0609020000020004" pitchFamily="49" charset="0"/>
             </a:endParaRPr>
@@ -4091,9 +4249,6 @@
           <a:p>
             <a:r>
               <a:rPr kumimoji="1" lang="en-US" altLang="ja-JP" b="1" dirty="0">
-                <a:solidFill>
-                  <a:schemeClr val="accent1"/>
-                </a:solidFill>
                 <a:latin typeface="Cascadia Code" panose="020B0609020000020004" pitchFamily="49" charset="0"/>
                 <a:ea typeface="Cascadia Code" panose="020B0609020000020004" pitchFamily="49" charset="0"/>
                 <a:cs typeface="Cascadia Code" panose="020B0609020000020004" pitchFamily="49" charset="0"/>
@@ -4101,9 +4256,6 @@
               <a:t>00000011 00110001 10111110 11011111</a:t>
             </a:r>
             <a:endParaRPr kumimoji="1" lang="ja-JP" altLang="en-US" b="1" dirty="0">
-              <a:solidFill>
-                <a:schemeClr val="accent1"/>
-              </a:solidFill>
               <a:latin typeface="Cascadia Code" panose="020B0609020000020004" pitchFamily="49" charset="0"/>
               <a:cs typeface="Cascadia Code" panose="020B0609020000020004" pitchFamily="49" charset="0"/>
             </a:endParaRPr>
@@ -4221,6 +4373,9 @@
           <a:p>
             <a:r>
               <a:rPr kumimoji="1" lang="en-US" altLang="ja-JP" b="1" dirty="0">
+                <a:solidFill>
+                  <a:srgbClr val="4472C4"/>
+                </a:solidFill>
                 <a:latin typeface="Cascadia Code" panose="020B0609020000020004" pitchFamily="49" charset="0"/>
                 <a:ea typeface="Cascadia Code" panose="020B0609020000020004" pitchFamily="49" charset="0"/>
                 <a:cs typeface="Cascadia Code" panose="020B0609020000020004" pitchFamily="49" charset="0"/>
@@ -4228,6 +4383,9 @@
               <a:t>01001100 01101111 01110110 01100101</a:t>
             </a:r>
             <a:endParaRPr kumimoji="1" lang="ja-JP" altLang="en-US" b="1" dirty="0">
+              <a:solidFill>
+                <a:srgbClr val="4472C4"/>
+              </a:solidFill>
               <a:latin typeface="Cascadia Code" panose="020B0609020000020004" pitchFamily="49" charset="0"/>
               <a:cs typeface="Cascadia Code" panose="020B0609020000020004" pitchFamily="49" charset="0"/>
             </a:endParaRPr>
@@ -4701,34 +4859,42 @@
               <a:t>“</a:t>
             </a:r>
             <a:r>
-              <a:rPr lang="ja-JP" altLang="en-US" b="1" dirty="0">
+              <a:rPr lang="ja-JP" altLang="en-US" dirty="0">
                 <a:solidFill>
-                  <a:srgbClr val="FF0000"/>
+                  <a:schemeClr val="accent2"/>
                 </a:solidFill>
               </a:rPr>
-              <a:t>□</a:t>
+              <a:t>􏿾</a:t>
+            </a:r>
+            <a:r>
+              <a:rPr lang="ja-JP" altLang="en-US" dirty="0"/>
+              <a:t> </a:t>
             </a:r>
             <a:r>
               <a:rPr kumimoji="1" lang="en-US" altLang="ja-JP" i="1" dirty="0">
                 <a:latin typeface="Arial" panose="020B0604020202020204" pitchFamily="34" charset="0"/>
                 <a:cs typeface="Arial" panose="020B0604020202020204" pitchFamily="34" charset="0"/>
               </a:rPr>
-              <a:t> . </a:t>
-            </a:r>
-            <a:r>
-              <a:rPr lang="ja-JP" altLang="en-US" b="1" dirty="0">
+              <a:t>.</a:t>
+            </a:r>
+            <a:r>
+              <a:rPr lang="ja-JP" altLang="en-US" dirty="0">
                 <a:solidFill>
-                  <a:srgbClr val="FF0000"/>
+                  <a:schemeClr val="accent2"/>
                 </a:solidFill>
               </a:rPr>
-              <a:t>□</a:t>
+              <a:t>􏿾</a:t>
+            </a:r>
+            <a:r>
+              <a:rPr lang="ja-JP" altLang="en-US" dirty="0"/>
+              <a:t> </a:t>
             </a:r>
             <a:r>
               <a:rPr kumimoji="1" lang="en-US" altLang="ja-JP" i="1" dirty="0">
                 <a:latin typeface="Arial" panose="020B0604020202020204" pitchFamily="34" charset="0"/>
                 <a:cs typeface="Arial" panose="020B0604020202020204" pitchFamily="34" charset="0"/>
               </a:rPr>
-              <a:t> A”</a:t>
+              <a:t>A”</a:t>
             </a:r>
             <a:endParaRPr kumimoji="1" lang="ja-JP" altLang="en-US" i="1" dirty="0">
               <a:latin typeface="Arial" panose="020B0604020202020204" pitchFamily="34" charset="0"/>
@@ -4807,7 +4973,7 @@
         </p:blipFill>
         <p:spPr>
           <a:xfrm>
-            <a:off x="8223531" y="4880323"/>
+            <a:off x="8162446" y="4854634"/>
             <a:ext cx="639764" cy="639764"/>
           </a:xfrm>
           <a:prstGeom prst="rect">
@@ -4829,8 +4995,8 @@
         </p:nvSpPr>
         <p:spPr>
           <a:xfrm>
-            <a:off x="6333380" y="6097341"/>
-            <a:ext cx="1469188" cy="369332"/>
+            <a:off x="5946821" y="6020838"/>
+            <a:ext cx="2046514" cy="369332"/>
           </a:xfrm>
           <a:prstGeom prst="rect">
             <a:avLst/>
@@ -4846,14 +5012,14 @@
             <a:r>
               <a:rPr kumimoji="1" lang="en-US" altLang="ja-JP" b="1" dirty="0">
                 <a:solidFill>
-                  <a:srgbClr val="FF0000"/>
+                  <a:schemeClr val="accent2"/>
                 </a:solidFill>
               </a:rPr>
-              <a:t>Non-ASCII</a:t>
+              <a:t>Non-ASCII chars</a:t>
             </a:r>
             <a:endParaRPr kumimoji="1" lang="ja-JP" altLang="en-US" b="1" dirty="0">
               <a:solidFill>
-                <a:srgbClr val="FF0000"/>
+                <a:schemeClr val="accent2"/>
               </a:solidFill>
             </a:endParaRPr>
           </a:p>
@@ -4873,12 +5039,12 @@
         </p:nvSpPr>
         <p:spPr>
           <a:xfrm>
-            <a:off x="8543413" y="5484607"/>
+            <a:off x="8547397" y="5315640"/>
             <a:ext cx="1745696" cy="726568"/>
           </a:xfrm>
           <a:prstGeom prst="cloudCallout">
             <a:avLst>
-              <a:gd name="adj1" fmla="val -65523"/>
+              <a:gd name="adj1" fmla="val -56481"/>
               <a:gd name="adj2" fmla="val 48043"/>
             </a:avLst>
           </a:prstGeom>
@@ -4957,7 +5123,7 @@
         </p:blipFill>
         <p:spPr>
           <a:xfrm>
-            <a:off x="7693978" y="6016302"/>
+            <a:off x="7856880" y="5806837"/>
             <a:ext cx="531409" cy="531409"/>
           </a:xfrm>
           <a:prstGeom prst="rect">
@@ -4969,6 +5135,243 @@
     <p:extLst>
       <p:ext uri="{BB962C8B-B14F-4D97-AF65-F5344CB8AC3E}">
         <p14:creationId xmlns:p14="http://schemas.microsoft.com/office/powerpoint/2010/main" val="630907064"/>
+      </p:ext>
+    </p:extLst>
+  </p:cSld>
+  <p:clrMapOvr>
+    <a:masterClrMapping/>
+  </p:clrMapOvr>
+</p:sld>
+</file>
+
+<file path=ppt/slides/slide2.xml><?xml version="1.0" encoding="utf-8"?>
+<p:sld xmlns:a="http://schemas.openxmlformats.org/drawingml/2006/main" xmlns:r="http://schemas.openxmlformats.org/officeDocument/2006/relationships" xmlns:p="http://schemas.openxmlformats.org/presentationml/2006/main">
+  <p:cSld>
+    <p:spTree>
+      <p:nvGrpSpPr>
+        <p:cNvPr id="1" name=""/>
+        <p:cNvGrpSpPr/>
+        <p:nvPr/>
+      </p:nvGrpSpPr>
+      <p:grpSpPr>
+        <a:xfrm>
+          <a:off x="0" y="0"/>
+          <a:ext cx="0" cy="0"/>
+          <a:chOff x="0" y="0"/>
+          <a:chExt cx="0" cy="0"/>
+        </a:xfrm>
+      </p:grpSpPr>
+      <p:sp>
+        <p:nvSpPr>
+          <p:cNvPr id="4" name="楕円 3">
+            <a:extLst>
+              <a:ext uri="{FF2B5EF4-FFF2-40B4-BE49-F238E27FC236}">
+                <a16:creationId xmlns:a16="http://schemas.microsoft.com/office/drawing/2014/main" id="{FD031EA4-40D9-708D-1747-5B0DCD3CF864}"/>
+              </a:ext>
+            </a:extLst>
+          </p:cNvPr>
+          <p:cNvSpPr/>
+          <p:nvPr/>
+        </p:nvSpPr>
+        <p:spPr>
+          <a:xfrm>
+            <a:off x="2171701" y="2046515"/>
+            <a:ext cx="3499757" cy="1273628"/>
+          </a:xfrm>
+          <a:prstGeom prst="ellipse">
+            <a:avLst/>
+          </a:prstGeom>
+          <a:noFill/>
+          <a:ln w="38100">
+            <a:solidFill>
+              <a:schemeClr val="tx1">
+                <a:lumMod val="95000"/>
+                <a:lumOff val="5000"/>
+              </a:schemeClr>
+            </a:solidFill>
+          </a:ln>
+        </p:spPr>
+        <p:style>
+          <a:lnRef idx="2">
+            <a:schemeClr val="accent1">
+              <a:shade val="50000"/>
+            </a:schemeClr>
+          </a:lnRef>
+          <a:fillRef idx="1">
+            <a:schemeClr val="accent1"/>
+          </a:fillRef>
+          <a:effectRef idx="0">
+            <a:schemeClr val="accent1"/>
+          </a:effectRef>
+          <a:fontRef idx="minor">
+            <a:schemeClr val="lt1"/>
+          </a:fontRef>
+        </p:style>
+        <p:txBody>
+          <a:bodyPr rtlCol="0" anchor="ctr"/>
+          <a:lstStyle/>
+          <a:p>
+            <a:pPr algn="ctr"/>
+            <a:endParaRPr kumimoji="1" lang="ja-JP" altLang="en-US"/>
+          </a:p>
+        </p:txBody>
+      </p:sp>
+      <p:sp>
+        <p:nvSpPr>
+          <p:cNvPr id="6" name="テキスト ボックス 5">
+            <a:extLst>
+              <a:ext uri="{FF2B5EF4-FFF2-40B4-BE49-F238E27FC236}">
+                <a16:creationId xmlns:a16="http://schemas.microsoft.com/office/drawing/2014/main" id="{FE9D2595-76F4-C8C0-2D09-8C1067B12F18}"/>
+              </a:ext>
+            </a:extLst>
+          </p:cNvPr>
+          <p:cNvSpPr txBox="1"/>
+          <p:nvPr/>
+        </p:nvSpPr>
+        <p:spPr>
+          <a:xfrm>
+            <a:off x="2432957" y="1650360"/>
+            <a:ext cx="2977243" cy="369332"/>
+          </a:xfrm>
+          <a:prstGeom prst="rect">
+            <a:avLst/>
+          </a:prstGeom>
+          <a:noFill/>
+        </p:spPr>
+        <p:txBody>
+          <a:bodyPr wrap="square" rtlCol="0">
+            <a:spAutoFit/>
+          </a:bodyPr>
+          <a:lstStyle/>
+          <a:p>
+            <a:r>
+              <a:rPr kumimoji="1" lang="en-US" altLang="ja-JP" dirty="0"/>
+              <a:t>Possible data with N byte</a:t>
+            </a:r>
+            <a:endParaRPr kumimoji="1" lang="ja-JP" altLang="en-US" dirty="0"/>
+          </a:p>
+        </p:txBody>
+      </p:sp>
+      <p:sp>
+        <p:nvSpPr>
+          <p:cNvPr id="7" name="楕円 6">
+            <a:extLst>
+              <a:ext uri="{FF2B5EF4-FFF2-40B4-BE49-F238E27FC236}">
+                <a16:creationId xmlns:a16="http://schemas.microsoft.com/office/drawing/2014/main" id="{98B620D7-F6ED-5868-B431-D7ABF7476294}"/>
+              </a:ext>
+            </a:extLst>
+          </p:cNvPr>
+          <p:cNvSpPr/>
+          <p:nvPr/>
+        </p:nvSpPr>
+        <p:spPr>
+          <a:xfrm>
+            <a:off x="2677886" y="2631622"/>
+            <a:ext cx="114300" cy="103414"/>
+          </a:xfrm>
+          <a:prstGeom prst="ellipse">
+            <a:avLst/>
+          </a:prstGeom>
+        </p:spPr>
+        <p:style>
+          <a:lnRef idx="2">
+            <a:schemeClr val="accent1">
+              <a:shade val="50000"/>
+            </a:schemeClr>
+          </a:lnRef>
+          <a:fillRef idx="1">
+            <a:schemeClr val="accent1"/>
+          </a:fillRef>
+          <a:effectRef idx="0">
+            <a:schemeClr val="accent1"/>
+          </a:effectRef>
+          <a:fontRef idx="minor">
+            <a:schemeClr val="lt1"/>
+          </a:fontRef>
+        </p:style>
+        <p:txBody>
+          <a:bodyPr rtlCol="0" anchor="ctr"/>
+          <a:lstStyle/>
+          <a:p>
+            <a:pPr algn="ctr"/>
+            <a:endParaRPr kumimoji="1" lang="ja-JP" altLang="en-US"/>
+          </a:p>
+        </p:txBody>
+      </p:sp>
+      <p:sp>
+        <p:nvSpPr>
+          <p:cNvPr id="8" name="吹き出し: 角を丸めた四角形 7">
+            <a:extLst>
+              <a:ext uri="{FF2B5EF4-FFF2-40B4-BE49-F238E27FC236}">
+                <a16:creationId xmlns:a16="http://schemas.microsoft.com/office/drawing/2014/main" id="{5417D7D2-94C8-22D6-6B02-B9F690E04667}"/>
+              </a:ext>
+            </a:extLst>
+          </p:cNvPr>
+          <p:cNvSpPr/>
+          <p:nvPr/>
+        </p:nvSpPr>
+        <p:spPr>
+          <a:xfrm>
+            <a:off x="3501117" y="3265714"/>
+            <a:ext cx="2377169" cy="772885"/>
+          </a:xfrm>
+          <a:prstGeom prst="wedgeRoundRectCallout">
+            <a:avLst>
+              <a:gd name="adj1" fmla="val -73555"/>
+              <a:gd name="adj2" fmla="val -122537"/>
+              <a:gd name="adj3" fmla="val 16667"/>
+            </a:avLst>
+          </a:prstGeom>
+          <a:solidFill>
+            <a:schemeClr val="bg1"/>
+          </a:solidFill>
+          <a:ln>
+            <a:solidFill>
+              <a:srgbClr val="0070C0"/>
+            </a:solidFill>
+          </a:ln>
+        </p:spPr>
+        <p:style>
+          <a:lnRef idx="2">
+            <a:schemeClr val="accent1">
+              <a:shade val="50000"/>
+            </a:schemeClr>
+          </a:lnRef>
+          <a:fillRef idx="1">
+            <a:schemeClr val="accent1"/>
+          </a:fillRef>
+          <a:effectRef idx="0">
+            <a:schemeClr val="accent1"/>
+          </a:effectRef>
+          <a:fontRef idx="minor">
+            <a:schemeClr val="lt1"/>
+          </a:fontRef>
+        </p:style>
+        <p:txBody>
+          <a:bodyPr rtlCol="0" anchor="ctr"/>
+          <a:lstStyle/>
+          <a:p>
+            <a:pPr algn="ctr"/>
+            <a:r>
+              <a:rPr lang="en-US" altLang="ja-JP" dirty="0">
+                <a:solidFill>
+                  <a:schemeClr val="tx1"/>
+                </a:solidFill>
+              </a:rPr>
+              <a:t>String of N characters may use</a:t>
+            </a:r>
+            <a:endParaRPr kumimoji="1" lang="ja-JP" altLang="en-US" dirty="0">
+              <a:solidFill>
+                <a:schemeClr val="tx1"/>
+              </a:solidFill>
+            </a:endParaRPr>
+          </a:p>
+        </p:txBody>
+      </p:sp>
+    </p:spTree>
+    <p:extLst>
+      <p:ext uri="{BB962C8B-B14F-4D97-AF65-F5344CB8AC3E}">
+        <p14:creationId xmlns:p14="http://schemas.microsoft.com/office/powerpoint/2010/main" val="1791048760"/>
       </p:ext>
     </p:extLst>
   </p:cSld>

--- a/docs/bitsnarl_figs.pptx
+++ b/docs/bitsnarl_figs.pptx
@@ -7,6 +7,7 @@
   <p:sldIdLst>
     <p:sldId id="256" r:id="rId2"/>
     <p:sldId id="257" r:id="rId3"/>
+    <p:sldId id="258" r:id="rId4"/>
   </p:sldIdLst>
   <p:sldSz cx="12192000" cy="6858000"/>
   <p:notesSz cx="6858000" cy="9144000"/>
@@ -5381,6 +5382,1407 @@
 </p:sld>
 </file>
 
+<file path=ppt/slides/slide3.xml><?xml version="1.0" encoding="utf-8"?>
+<p:sld xmlns:a="http://schemas.openxmlformats.org/drawingml/2006/main" xmlns:r="http://schemas.openxmlformats.org/officeDocument/2006/relationships" xmlns:p="http://schemas.openxmlformats.org/presentationml/2006/main">
+  <p:cSld>
+    <p:spTree>
+      <p:nvGrpSpPr>
+        <p:cNvPr id="1" name=""/>
+        <p:cNvGrpSpPr/>
+        <p:nvPr/>
+      </p:nvGrpSpPr>
+      <p:grpSpPr>
+        <a:xfrm>
+          <a:off x="0" y="0"/>
+          <a:ext cx="0" cy="0"/>
+          <a:chOff x="0" y="0"/>
+          <a:chExt cx="0" cy="0"/>
+        </a:xfrm>
+      </p:grpSpPr>
+      <p:sp>
+        <p:nvSpPr>
+          <p:cNvPr id="4" name="楕円 3">
+            <a:extLst>
+              <a:ext uri="{FF2B5EF4-FFF2-40B4-BE49-F238E27FC236}">
+                <a16:creationId xmlns:a16="http://schemas.microsoft.com/office/drawing/2014/main" id="{FD031EA4-40D9-708D-1747-5B0DCD3CF864}"/>
+              </a:ext>
+            </a:extLst>
+          </p:cNvPr>
+          <p:cNvSpPr/>
+          <p:nvPr/>
+        </p:nvSpPr>
+        <p:spPr>
+          <a:xfrm>
+            <a:off x="2171701" y="2046515"/>
+            <a:ext cx="3499757" cy="1273628"/>
+          </a:xfrm>
+          <a:prstGeom prst="ellipse">
+            <a:avLst/>
+          </a:prstGeom>
+          <a:noFill/>
+          <a:ln w="38100">
+            <a:solidFill>
+              <a:schemeClr val="tx1">
+                <a:lumMod val="95000"/>
+                <a:lumOff val="5000"/>
+              </a:schemeClr>
+            </a:solidFill>
+          </a:ln>
+        </p:spPr>
+        <p:style>
+          <a:lnRef idx="2">
+            <a:schemeClr val="accent1">
+              <a:shade val="50000"/>
+            </a:schemeClr>
+          </a:lnRef>
+          <a:fillRef idx="1">
+            <a:schemeClr val="accent1"/>
+          </a:fillRef>
+          <a:effectRef idx="0">
+            <a:schemeClr val="accent1"/>
+          </a:effectRef>
+          <a:fontRef idx="minor">
+            <a:schemeClr val="lt1"/>
+          </a:fontRef>
+        </p:style>
+        <p:txBody>
+          <a:bodyPr rtlCol="0" anchor="ctr"/>
+          <a:lstStyle/>
+          <a:p>
+            <a:pPr algn="ctr"/>
+            <a:endParaRPr kumimoji="1" lang="ja-JP" altLang="en-US"/>
+          </a:p>
+        </p:txBody>
+      </p:sp>
+      <p:sp>
+        <p:nvSpPr>
+          <p:cNvPr id="7" name="楕円 6">
+            <a:extLst>
+              <a:ext uri="{FF2B5EF4-FFF2-40B4-BE49-F238E27FC236}">
+                <a16:creationId xmlns:a16="http://schemas.microsoft.com/office/drawing/2014/main" id="{98B620D7-F6ED-5868-B431-D7ABF7476294}"/>
+              </a:ext>
+            </a:extLst>
+          </p:cNvPr>
+          <p:cNvSpPr/>
+          <p:nvPr/>
+        </p:nvSpPr>
+        <p:spPr>
+          <a:xfrm>
+            <a:off x="2656114" y="2631622"/>
+            <a:ext cx="114300" cy="103414"/>
+          </a:xfrm>
+          <a:prstGeom prst="ellipse">
+            <a:avLst/>
+          </a:prstGeom>
+        </p:spPr>
+        <p:style>
+          <a:lnRef idx="2">
+            <a:schemeClr val="accent1">
+              <a:shade val="50000"/>
+            </a:schemeClr>
+          </a:lnRef>
+          <a:fillRef idx="1">
+            <a:schemeClr val="accent1"/>
+          </a:fillRef>
+          <a:effectRef idx="0">
+            <a:schemeClr val="accent1"/>
+          </a:effectRef>
+          <a:fontRef idx="minor">
+            <a:schemeClr val="lt1"/>
+          </a:fontRef>
+        </p:style>
+        <p:txBody>
+          <a:bodyPr rtlCol="0" anchor="ctr"/>
+          <a:lstStyle/>
+          <a:p>
+            <a:pPr algn="ctr"/>
+            <a:endParaRPr kumimoji="1" lang="ja-JP" altLang="en-US"/>
+          </a:p>
+        </p:txBody>
+      </p:sp>
+      <p:sp>
+        <p:nvSpPr>
+          <p:cNvPr id="3" name="フリーフォーム: 図形 2">
+            <a:extLst>
+              <a:ext uri="{FF2B5EF4-FFF2-40B4-BE49-F238E27FC236}">
+                <a16:creationId xmlns:a16="http://schemas.microsoft.com/office/drawing/2014/main" id="{8CB6B53E-08EE-3C1D-AD95-37A423F361DF}"/>
+              </a:ext>
+            </a:extLst>
+          </p:cNvPr>
+          <p:cNvSpPr/>
+          <p:nvPr/>
+        </p:nvSpPr>
+        <p:spPr>
+          <a:xfrm>
+            <a:off x="2759529" y="2275114"/>
+            <a:ext cx="1649185" cy="473529"/>
+          </a:xfrm>
+          <a:custGeom>
+            <a:avLst/>
+            <a:gdLst>
+              <a:gd name="connsiteX0" fmla="*/ 0 w 1649185"/>
+              <a:gd name="connsiteY0" fmla="*/ 419100 h 473529"/>
+              <a:gd name="connsiteX1" fmla="*/ 21771 w 1649185"/>
+              <a:gd name="connsiteY1" fmla="*/ 391886 h 473529"/>
+              <a:gd name="connsiteX2" fmla="*/ 59871 w 1649185"/>
+              <a:gd name="connsiteY2" fmla="*/ 375557 h 473529"/>
+              <a:gd name="connsiteX3" fmla="*/ 103414 w 1649185"/>
+              <a:gd name="connsiteY3" fmla="*/ 348343 h 473529"/>
+              <a:gd name="connsiteX4" fmla="*/ 125185 w 1649185"/>
+              <a:gd name="connsiteY4" fmla="*/ 332015 h 473529"/>
+              <a:gd name="connsiteX5" fmla="*/ 152400 w 1649185"/>
+              <a:gd name="connsiteY5" fmla="*/ 315686 h 473529"/>
+              <a:gd name="connsiteX6" fmla="*/ 190500 w 1649185"/>
+              <a:gd name="connsiteY6" fmla="*/ 283029 h 473529"/>
+              <a:gd name="connsiteX7" fmla="*/ 288471 w 1649185"/>
+              <a:gd name="connsiteY7" fmla="*/ 255815 h 473529"/>
+              <a:gd name="connsiteX8" fmla="*/ 337457 w 1649185"/>
+              <a:gd name="connsiteY8" fmla="*/ 234043 h 473529"/>
+              <a:gd name="connsiteX9" fmla="*/ 375557 w 1649185"/>
+              <a:gd name="connsiteY9" fmla="*/ 212272 h 473529"/>
+              <a:gd name="connsiteX10" fmla="*/ 489857 w 1649185"/>
+              <a:gd name="connsiteY10" fmla="*/ 195943 h 473529"/>
+              <a:gd name="connsiteX11" fmla="*/ 609600 w 1649185"/>
+              <a:gd name="connsiteY11" fmla="*/ 206829 h 473529"/>
+              <a:gd name="connsiteX12" fmla="*/ 664028 w 1649185"/>
+              <a:gd name="connsiteY12" fmla="*/ 272143 h 473529"/>
+              <a:gd name="connsiteX13" fmla="*/ 691242 w 1649185"/>
+              <a:gd name="connsiteY13" fmla="*/ 299357 h 473529"/>
+              <a:gd name="connsiteX14" fmla="*/ 745671 w 1649185"/>
+              <a:gd name="connsiteY14" fmla="*/ 359229 h 473529"/>
+              <a:gd name="connsiteX15" fmla="*/ 778328 w 1649185"/>
+              <a:gd name="connsiteY15" fmla="*/ 386443 h 473529"/>
+              <a:gd name="connsiteX16" fmla="*/ 892628 w 1649185"/>
+              <a:gd name="connsiteY16" fmla="*/ 468086 h 473529"/>
+              <a:gd name="connsiteX17" fmla="*/ 936171 w 1649185"/>
+              <a:gd name="connsiteY17" fmla="*/ 473529 h 473529"/>
+              <a:gd name="connsiteX18" fmla="*/ 1061357 w 1649185"/>
+              <a:gd name="connsiteY18" fmla="*/ 468086 h 473529"/>
+              <a:gd name="connsiteX19" fmla="*/ 1094014 w 1649185"/>
+              <a:gd name="connsiteY19" fmla="*/ 451757 h 473529"/>
+              <a:gd name="connsiteX20" fmla="*/ 1148442 w 1649185"/>
+              <a:gd name="connsiteY20" fmla="*/ 419100 h 473529"/>
+              <a:gd name="connsiteX21" fmla="*/ 1197428 w 1649185"/>
+              <a:gd name="connsiteY21" fmla="*/ 353786 h 473529"/>
+              <a:gd name="connsiteX22" fmla="*/ 1224642 w 1649185"/>
+              <a:gd name="connsiteY22" fmla="*/ 315686 h 473529"/>
+              <a:gd name="connsiteX23" fmla="*/ 1224642 w 1649185"/>
+              <a:gd name="connsiteY23" fmla="*/ 108857 h 473529"/>
+              <a:gd name="connsiteX24" fmla="*/ 1197428 w 1649185"/>
+              <a:gd name="connsiteY24" fmla="*/ 70757 h 473529"/>
+              <a:gd name="connsiteX25" fmla="*/ 1164771 w 1649185"/>
+              <a:gd name="connsiteY25" fmla="*/ 43543 h 473529"/>
+              <a:gd name="connsiteX26" fmla="*/ 1077685 w 1649185"/>
+              <a:gd name="connsiteY26" fmla="*/ 0 h 473529"/>
+              <a:gd name="connsiteX27" fmla="*/ 1012371 w 1649185"/>
+              <a:gd name="connsiteY27" fmla="*/ 48986 h 473529"/>
+              <a:gd name="connsiteX28" fmla="*/ 1001485 w 1649185"/>
+              <a:gd name="connsiteY28" fmla="*/ 81643 h 473529"/>
+              <a:gd name="connsiteX29" fmla="*/ 1012371 w 1649185"/>
+              <a:gd name="connsiteY29" fmla="*/ 185057 h 473529"/>
+              <a:gd name="connsiteX30" fmla="*/ 1066800 w 1649185"/>
+              <a:gd name="connsiteY30" fmla="*/ 261257 h 473529"/>
+              <a:gd name="connsiteX31" fmla="*/ 1099457 w 1649185"/>
+              <a:gd name="connsiteY31" fmla="*/ 283029 h 473529"/>
+              <a:gd name="connsiteX32" fmla="*/ 1175657 w 1649185"/>
+              <a:gd name="connsiteY32" fmla="*/ 337457 h 473529"/>
+              <a:gd name="connsiteX33" fmla="*/ 1208314 w 1649185"/>
+              <a:gd name="connsiteY33" fmla="*/ 342900 h 473529"/>
+              <a:gd name="connsiteX34" fmla="*/ 1415142 w 1649185"/>
+              <a:gd name="connsiteY34" fmla="*/ 293915 h 473529"/>
+              <a:gd name="connsiteX35" fmla="*/ 1442357 w 1649185"/>
+              <a:gd name="connsiteY35" fmla="*/ 261257 h 473529"/>
+              <a:gd name="connsiteX36" fmla="*/ 1469571 w 1649185"/>
+              <a:gd name="connsiteY36" fmla="*/ 206829 h 473529"/>
+              <a:gd name="connsiteX37" fmla="*/ 1475014 w 1649185"/>
+              <a:gd name="connsiteY37" fmla="*/ 179615 h 473529"/>
+              <a:gd name="connsiteX38" fmla="*/ 1480457 w 1649185"/>
+              <a:gd name="connsiteY38" fmla="*/ 141515 h 473529"/>
+              <a:gd name="connsiteX39" fmla="*/ 1524000 w 1649185"/>
+              <a:gd name="connsiteY39" fmla="*/ 65315 h 473529"/>
+              <a:gd name="connsiteX40" fmla="*/ 1545771 w 1649185"/>
+              <a:gd name="connsiteY40" fmla="*/ 59872 h 473529"/>
+              <a:gd name="connsiteX41" fmla="*/ 1649185 w 1649185"/>
+              <a:gd name="connsiteY41" fmla="*/ 54429 h 473529"/>
+            </a:gdLst>
+            <a:ahLst/>
+            <a:cxnLst>
+              <a:cxn ang="0">
+                <a:pos x="connsiteX0" y="connsiteY0"/>
+              </a:cxn>
+              <a:cxn ang="0">
+                <a:pos x="connsiteX1" y="connsiteY1"/>
+              </a:cxn>
+              <a:cxn ang="0">
+                <a:pos x="connsiteX2" y="connsiteY2"/>
+              </a:cxn>
+              <a:cxn ang="0">
+                <a:pos x="connsiteX3" y="connsiteY3"/>
+              </a:cxn>
+              <a:cxn ang="0">
+                <a:pos x="connsiteX4" y="connsiteY4"/>
+              </a:cxn>
+              <a:cxn ang="0">
+                <a:pos x="connsiteX5" y="connsiteY5"/>
+              </a:cxn>
+              <a:cxn ang="0">
+                <a:pos x="connsiteX6" y="connsiteY6"/>
+              </a:cxn>
+              <a:cxn ang="0">
+                <a:pos x="connsiteX7" y="connsiteY7"/>
+              </a:cxn>
+              <a:cxn ang="0">
+                <a:pos x="connsiteX8" y="connsiteY8"/>
+              </a:cxn>
+              <a:cxn ang="0">
+                <a:pos x="connsiteX9" y="connsiteY9"/>
+              </a:cxn>
+              <a:cxn ang="0">
+                <a:pos x="connsiteX10" y="connsiteY10"/>
+              </a:cxn>
+              <a:cxn ang="0">
+                <a:pos x="connsiteX11" y="connsiteY11"/>
+              </a:cxn>
+              <a:cxn ang="0">
+                <a:pos x="connsiteX12" y="connsiteY12"/>
+              </a:cxn>
+              <a:cxn ang="0">
+                <a:pos x="connsiteX13" y="connsiteY13"/>
+              </a:cxn>
+              <a:cxn ang="0">
+                <a:pos x="connsiteX14" y="connsiteY14"/>
+              </a:cxn>
+              <a:cxn ang="0">
+                <a:pos x="connsiteX15" y="connsiteY15"/>
+              </a:cxn>
+              <a:cxn ang="0">
+                <a:pos x="connsiteX16" y="connsiteY16"/>
+              </a:cxn>
+              <a:cxn ang="0">
+                <a:pos x="connsiteX17" y="connsiteY17"/>
+              </a:cxn>
+              <a:cxn ang="0">
+                <a:pos x="connsiteX18" y="connsiteY18"/>
+              </a:cxn>
+              <a:cxn ang="0">
+                <a:pos x="connsiteX19" y="connsiteY19"/>
+              </a:cxn>
+              <a:cxn ang="0">
+                <a:pos x="connsiteX20" y="connsiteY20"/>
+              </a:cxn>
+              <a:cxn ang="0">
+                <a:pos x="connsiteX21" y="connsiteY21"/>
+              </a:cxn>
+              <a:cxn ang="0">
+                <a:pos x="connsiteX22" y="connsiteY22"/>
+              </a:cxn>
+              <a:cxn ang="0">
+                <a:pos x="connsiteX23" y="connsiteY23"/>
+              </a:cxn>
+              <a:cxn ang="0">
+                <a:pos x="connsiteX24" y="connsiteY24"/>
+              </a:cxn>
+              <a:cxn ang="0">
+                <a:pos x="connsiteX25" y="connsiteY25"/>
+              </a:cxn>
+              <a:cxn ang="0">
+                <a:pos x="connsiteX26" y="connsiteY26"/>
+              </a:cxn>
+              <a:cxn ang="0">
+                <a:pos x="connsiteX27" y="connsiteY27"/>
+              </a:cxn>
+              <a:cxn ang="0">
+                <a:pos x="connsiteX28" y="connsiteY28"/>
+              </a:cxn>
+              <a:cxn ang="0">
+                <a:pos x="connsiteX29" y="connsiteY29"/>
+              </a:cxn>
+              <a:cxn ang="0">
+                <a:pos x="connsiteX30" y="connsiteY30"/>
+              </a:cxn>
+              <a:cxn ang="0">
+                <a:pos x="connsiteX31" y="connsiteY31"/>
+              </a:cxn>
+              <a:cxn ang="0">
+                <a:pos x="connsiteX32" y="connsiteY32"/>
+              </a:cxn>
+              <a:cxn ang="0">
+                <a:pos x="connsiteX33" y="connsiteY33"/>
+              </a:cxn>
+              <a:cxn ang="0">
+                <a:pos x="connsiteX34" y="connsiteY34"/>
+              </a:cxn>
+              <a:cxn ang="0">
+                <a:pos x="connsiteX35" y="connsiteY35"/>
+              </a:cxn>
+              <a:cxn ang="0">
+                <a:pos x="connsiteX36" y="connsiteY36"/>
+              </a:cxn>
+              <a:cxn ang="0">
+                <a:pos x="connsiteX37" y="connsiteY37"/>
+              </a:cxn>
+              <a:cxn ang="0">
+                <a:pos x="connsiteX38" y="connsiteY38"/>
+              </a:cxn>
+              <a:cxn ang="0">
+                <a:pos x="connsiteX39" y="connsiteY39"/>
+              </a:cxn>
+              <a:cxn ang="0">
+                <a:pos x="connsiteX40" y="connsiteY40"/>
+              </a:cxn>
+              <a:cxn ang="0">
+                <a:pos x="connsiteX41" y="connsiteY41"/>
+              </a:cxn>
+            </a:cxnLst>
+            <a:rect l="l" t="t" r="r" b="b"/>
+            <a:pathLst>
+              <a:path w="1649185" h="473529">
+                <a:moveTo>
+                  <a:pt x="0" y="419100"/>
+                </a:moveTo>
+                <a:cubicBezTo>
+                  <a:pt x="7257" y="410029"/>
+                  <a:pt x="12376" y="398719"/>
+                  <a:pt x="21771" y="391886"/>
+                </a:cubicBezTo>
+                <a:cubicBezTo>
+                  <a:pt x="32945" y="383759"/>
+                  <a:pt x="47679" y="382059"/>
+                  <a:pt x="59871" y="375557"/>
+                </a:cubicBezTo>
+                <a:cubicBezTo>
+                  <a:pt x="74973" y="367502"/>
+                  <a:pt x="89173" y="357837"/>
+                  <a:pt x="103414" y="348343"/>
+                </a:cubicBezTo>
+                <a:cubicBezTo>
+                  <a:pt x="110962" y="343311"/>
+                  <a:pt x="117637" y="337047"/>
+                  <a:pt x="125185" y="332015"/>
+                </a:cubicBezTo>
+                <a:cubicBezTo>
+                  <a:pt x="133988" y="326147"/>
+                  <a:pt x="143937" y="322034"/>
+                  <a:pt x="152400" y="315686"/>
+                </a:cubicBezTo>
+                <a:cubicBezTo>
+                  <a:pt x="165782" y="305650"/>
+                  <a:pt x="175921" y="291230"/>
+                  <a:pt x="190500" y="283029"/>
+                </a:cubicBezTo>
+                <a:cubicBezTo>
+                  <a:pt x="211681" y="271115"/>
+                  <a:pt x="265126" y="261002"/>
+                  <a:pt x="288471" y="255815"/>
+                </a:cubicBezTo>
+                <a:cubicBezTo>
+                  <a:pt x="304800" y="248558"/>
+                  <a:pt x="321475" y="242034"/>
+                  <a:pt x="337457" y="234043"/>
+                </a:cubicBezTo>
+                <a:cubicBezTo>
+                  <a:pt x="350540" y="227502"/>
+                  <a:pt x="361861" y="217408"/>
+                  <a:pt x="375557" y="212272"/>
+                </a:cubicBezTo>
+                <a:cubicBezTo>
+                  <a:pt x="409041" y="199716"/>
+                  <a:pt x="455975" y="198767"/>
+                  <a:pt x="489857" y="195943"/>
+                </a:cubicBezTo>
+                <a:cubicBezTo>
+                  <a:pt x="529771" y="199572"/>
+                  <a:pt x="571322" y="194950"/>
+                  <a:pt x="609600" y="206829"/>
+                </a:cubicBezTo>
+                <a:cubicBezTo>
+                  <a:pt x="640977" y="216567"/>
+                  <a:pt x="646825" y="250639"/>
+                  <a:pt x="664028" y="272143"/>
+                </a:cubicBezTo>
+                <a:cubicBezTo>
+                  <a:pt x="672042" y="282161"/>
+                  <a:pt x="682573" y="289900"/>
+                  <a:pt x="691242" y="299357"/>
+                </a:cubicBezTo>
+                <a:cubicBezTo>
+                  <a:pt x="717492" y="327993"/>
+                  <a:pt x="720103" y="336217"/>
+                  <a:pt x="745671" y="359229"/>
+                </a:cubicBezTo>
+                <a:cubicBezTo>
+                  <a:pt x="756203" y="368708"/>
+                  <a:pt x="767883" y="376868"/>
+                  <a:pt x="778328" y="386443"/>
+                </a:cubicBezTo>
+                <a:cubicBezTo>
+                  <a:pt x="827182" y="431225"/>
+                  <a:pt x="810658" y="432447"/>
+                  <a:pt x="892628" y="468086"/>
+                </a:cubicBezTo>
+                <a:cubicBezTo>
+                  <a:pt x="906042" y="473918"/>
+                  <a:pt x="921657" y="471715"/>
+                  <a:pt x="936171" y="473529"/>
+                </a:cubicBezTo>
+                <a:cubicBezTo>
+                  <a:pt x="977900" y="471715"/>
+                  <a:pt x="1019981" y="473793"/>
+                  <a:pt x="1061357" y="468086"/>
+                </a:cubicBezTo>
+                <a:cubicBezTo>
+                  <a:pt x="1073413" y="466423"/>
+                  <a:pt x="1083406" y="457724"/>
+                  <a:pt x="1094014" y="451757"/>
+                </a:cubicBezTo>
+                <a:cubicBezTo>
+                  <a:pt x="1112455" y="441384"/>
+                  <a:pt x="1148442" y="419100"/>
+                  <a:pt x="1148442" y="419100"/>
+                </a:cubicBezTo>
+                <a:cubicBezTo>
+                  <a:pt x="1180112" y="366319"/>
+                  <a:pt x="1147238" y="417664"/>
+                  <a:pt x="1197428" y="353786"/>
+                </a:cubicBezTo>
+                <a:cubicBezTo>
+                  <a:pt x="1207070" y="341514"/>
+                  <a:pt x="1215571" y="328386"/>
+                  <a:pt x="1224642" y="315686"/>
+                </a:cubicBezTo>
+                <a:cubicBezTo>
+                  <a:pt x="1232177" y="240334"/>
+                  <a:pt x="1245520" y="183423"/>
+                  <a:pt x="1224642" y="108857"/>
+                </a:cubicBezTo>
+                <a:cubicBezTo>
+                  <a:pt x="1220434" y="93828"/>
+                  <a:pt x="1207974" y="82262"/>
+                  <a:pt x="1197428" y="70757"/>
+                </a:cubicBezTo>
+                <a:cubicBezTo>
+                  <a:pt x="1187853" y="60312"/>
+                  <a:pt x="1176668" y="51241"/>
+                  <a:pt x="1164771" y="43543"/>
+                </a:cubicBezTo>
+                <a:cubicBezTo>
+                  <a:pt x="1124472" y="17467"/>
+                  <a:pt x="1113908" y="14489"/>
+                  <a:pt x="1077685" y="0"/>
+                </a:cubicBezTo>
+                <a:cubicBezTo>
+                  <a:pt x="1044214" y="13389"/>
+                  <a:pt x="1038227" y="11639"/>
+                  <a:pt x="1012371" y="48986"/>
+                </a:cubicBezTo>
+                <a:cubicBezTo>
+                  <a:pt x="1005840" y="58420"/>
+                  <a:pt x="1005114" y="70757"/>
+                  <a:pt x="1001485" y="81643"/>
+                </a:cubicBezTo>
+                <a:cubicBezTo>
+                  <a:pt x="1005114" y="116114"/>
+                  <a:pt x="1004577" y="151283"/>
+                  <a:pt x="1012371" y="185057"/>
+                </a:cubicBezTo>
+                <a:cubicBezTo>
+                  <a:pt x="1017007" y="205146"/>
+                  <a:pt x="1053708" y="249256"/>
+                  <a:pt x="1066800" y="261257"/>
+                </a:cubicBezTo>
+                <a:cubicBezTo>
+                  <a:pt x="1076444" y="270098"/>
+                  <a:pt x="1089087" y="275052"/>
+                  <a:pt x="1099457" y="283029"/>
+                </a:cubicBezTo>
+                <a:cubicBezTo>
+                  <a:pt x="1130681" y="307048"/>
+                  <a:pt x="1138758" y="323265"/>
+                  <a:pt x="1175657" y="337457"/>
+                </a:cubicBezTo>
+                <a:cubicBezTo>
+                  <a:pt x="1185957" y="341419"/>
+                  <a:pt x="1197428" y="341086"/>
+                  <a:pt x="1208314" y="342900"/>
+                </a:cubicBezTo>
+                <a:cubicBezTo>
+                  <a:pt x="1289330" y="339784"/>
+                  <a:pt x="1358575" y="361795"/>
+                  <a:pt x="1415142" y="293915"/>
+                </a:cubicBezTo>
+                <a:cubicBezTo>
+                  <a:pt x="1424214" y="283029"/>
+                  <a:pt x="1434022" y="272717"/>
+                  <a:pt x="1442357" y="261257"/>
+                </a:cubicBezTo>
+                <a:cubicBezTo>
+                  <a:pt x="1453704" y="245654"/>
+                  <a:pt x="1463998" y="225404"/>
+                  <a:pt x="1469571" y="206829"/>
+                </a:cubicBezTo>
+                <a:cubicBezTo>
+                  <a:pt x="1472229" y="197968"/>
+                  <a:pt x="1473493" y="188740"/>
+                  <a:pt x="1475014" y="179615"/>
+                </a:cubicBezTo>
+                <a:cubicBezTo>
+                  <a:pt x="1477123" y="166961"/>
+                  <a:pt x="1476684" y="153777"/>
+                  <a:pt x="1480457" y="141515"/>
+                </a:cubicBezTo>
+                <a:cubicBezTo>
+                  <a:pt x="1484734" y="127615"/>
+                  <a:pt x="1518046" y="71269"/>
+                  <a:pt x="1524000" y="65315"/>
+                </a:cubicBezTo>
+                <a:cubicBezTo>
+                  <a:pt x="1529289" y="60026"/>
+                  <a:pt x="1538436" y="61339"/>
+                  <a:pt x="1545771" y="59872"/>
+                </a:cubicBezTo>
+                <a:cubicBezTo>
+                  <a:pt x="1592372" y="50551"/>
+                  <a:pt x="1587312" y="54429"/>
+                  <a:pt x="1649185" y="54429"/>
+                </a:cubicBezTo>
+              </a:path>
+            </a:pathLst>
+          </a:custGeom>
+          <a:ln w="28575">
+            <a:headEnd type="triangle" w="med" len="med"/>
+            <a:tailEnd type="triangle" w="med" len="med"/>
+          </a:ln>
+        </p:spPr>
+        <p:style>
+          <a:lnRef idx="2">
+            <a:schemeClr val="dk1"/>
+          </a:lnRef>
+          <a:fillRef idx="0">
+            <a:schemeClr val="dk1"/>
+          </a:fillRef>
+          <a:effectRef idx="1">
+            <a:schemeClr val="dk1"/>
+          </a:effectRef>
+          <a:fontRef idx="minor">
+            <a:schemeClr val="tx1"/>
+          </a:fontRef>
+        </p:style>
+        <p:txBody>
+          <a:bodyPr rtlCol="0" anchor="ctr"/>
+          <a:lstStyle/>
+          <a:p>
+            <a:pPr algn="ctr"/>
+            <a:endParaRPr kumimoji="1" lang="ja-JP" altLang="en-US"/>
+          </a:p>
+        </p:txBody>
+      </p:sp>
+      <p:sp>
+        <p:nvSpPr>
+          <p:cNvPr id="5" name="楕円 4">
+            <a:extLst>
+              <a:ext uri="{FF2B5EF4-FFF2-40B4-BE49-F238E27FC236}">
+                <a16:creationId xmlns:a16="http://schemas.microsoft.com/office/drawing/2014/main" id="{470D5503-5207-3402-DA2E-52B58ACDCBA6}"/>
+              </a:ext>
+            </a:extLst>
+          </p:cNvPr>
+          <p:cNvSpPr/>
+          <p:nvPr/>
+        </p:nvSpPr>
+        <p:spPr>
+          <a:xfrm>
+            <a:off x="4408714" y="2275114"/>
+            <a:ext cx="114300" cy="103414"/>
+          </a:xfrm>
+          <a:prstGeom prst="ellipse">
+            <a:avLst/>
+          </a:prstGeom>
+        </p:spPr>
+        <p:style>
+          <a:lnRef idx="2">
+            <a:schemeClr val="dk1">
+              <a:shade val="50000"/>
+            </a:schemeClr>
+          </a:lnRef>
+          <a:fillRef idx="1">
+            <a:schemeClr val="dk1"/>
+          </a:fillRef>
+          <a:effectRef idx="0">
+            <a:schemeClr val="dk1"/>
+          </a:effectRef>
+          <a:fontRef idx="minor">
+            <a:schemeClr val="lt1"/>
+          </a:fontRef>
+        </p:style>
+        <p:txBody>
+          <a:bodyPr rtlCol="0" anchor="ctr"/>
+          <a:lstStyle/>
+          <a:p>
+            <a:pPr algn="ctr"/>
+            <a:endParaRPr kumimoji="1" lang="ja-JP" altLang="en-US"/>
+          </a:p>
+        </p:txBody>
+      </p:sp>
+      <p:sp>
+        <p:nvSpPr>
+          <p:cNvPr id="9" name="フリーフォーム: 図形 8">
+            <a:extLst>
+              <a:ext uri="{FF2B5EF4-FFF2-40B4-BE49-F238E27FC236}">
+                <a16:creationId xmlns:a16="http://schemas.microsoft.com/office/drawing/2014/main" id="{ED34BF3B-2C35-993E-5988-93715196869A}"/>
+              </a:ext>
+            </a:extLst>
+          </p:cNvPr>
+          <p:cNvSpPr/>
+          <p:nvPr/>
+        </p:nvSpPr>
+        <p:spPr>
+          <a:xfrm>
+            <a:off x="4495800" y="2356757"/>
+            <a:ext cx="92529" cy="174172"/>
+          </a:xfrm>
+          <a:custGeom>
+            <a:avLst/>
+            <a:gdLst>
+              <a:gd name="connsiteX0" fmla="*/ 0 w 92529"/>
+              <a:gd name="connsiteY0" fmla="*/ 0 h 174172"/>
+              <a:gd name="connsiteX1" fmla="*/ 32657 w 92529"/>
+              <a:gd name="connsiteY1" fmla="*/ 27214 h 174172"/>
+              <a:gd name="connsiteX2" fmla="*/ 38100 w 92529"/>
+              <a:gd name="connsiteY2" fmla="*/ 48986 h 174172"/>
+              <a:gd name="connsiteX3" fmla="*/ 48986 w 92529"/>
+              <a:gd name="connsiteY3" fmla="*/ 76200 h 174172"/>
+              <a:gd name="connsiteX4" fmla="*/ 54429 w 92529"/>
+              <a:gd name="connsiteY4" fmla="*/ 103414 h 174172"/>
+              <a:gd name="connsiteX5" fmla="*/ 65314 w 92529"/>
+              <a:gd name="connsiteY5" fmla="*/ 125186 h 174172"/>
+              <a:gd name="connsiteX6" fmla="*/ 87086 w 92529"/>
+              <a:gd name="connsiteY6" fmla="*/ 157843 h 174172"/>
+              <a:gd name="connsiteX7" fmla="*/ 92529 w 92529"/>
+              <a:gd name="connsiteY7" fmla="*/ 174172 h 174172"/>
+            </a:gdLst>
+            <a:ahLst/>
+            <a:cxnLst>
+              <a:cxn ang="0">
+                <a:pos x="connsiteX0" y="connsiteY0"/>
+              </a:cxn>
+              <a:cxn ang="0">
+                <a:pos x="connsiteX1" y="connsiteY1"/>
+              </a:cxn>
+              <a:cxn ang="0">
+                <a:pos x="connsiteX2" y="connsiteY2"/>
+              </a:cxn>
+              <a:cxn ang="0">
+                <a:pos x="connsiteX3" y="connsiteY3"/>
+              </a:cxn>
+              <a:cxn ang="0">
+                <a:pos x="connsiteX4" y="connsiteY4"/>
+              </a:cxn>
+              <a:cxn ang="0">
+                <a:pos x="connsiteX5" y="connsiteY5"/>
+              </a:cxn>
+              <a:cxn ang="0">
+                <a:pos x="connsiteX6" y="connsiteY6"/>
+              </a:cxn>
+              <a:cxn ang="0">
+                <a:pos x="connsiteX7" y="connsiteY7"/>
+              </a:cxn>
+            </a:cxnLst>
+            <a:rect l="l" t="t" r="r" b="b"/>
+            <a:pathLst>
+              <a:path w="92529" h="174172">
+                <a:moveTo>
+                  <a:pt x="0" y="0"/>
+                </a:moveTo>
+                <a:cubicBezTo>
+                  <a:pt x="10886" y="9071"/>
+                  <a:pt x="23958" y="16029"/>
+                  <a:pt x="32657" y="27214"/>
+                </a:cubicBezTo>
+                <a:cubicBezTo>
+                  <a:pt x="37250" y="33119"/>
+                  <a:pt x="35734" y="41889"/>
+                  <a:pt x="38100" y="48986"/>
+                </a:cubicBezTo>
+                <a:cubicBezTo>
+                  <a:pt x="41190" y="58255"/>
+                  <a:pt x="46178" y="66842"/>
+                  <a:pt x="48986" y="76200"/>
+                </a:cubicBezTo>
+                <a:cubicBezTo>
+                  <a:pt x="51644" y="85061"/>
+                  <a:pt x="51504" y="94638"/>
+                  <a:pt x="54429" y="103414"/>
+                </a:cubicBezTo>
+                <a:cubicBezTo>
+                  <a:pt x="56995" y="111111"/>
+                  <a:pt x="61140" y="118228"/>
+                  <a:pt x="65314" y="125186"/>
+                </a:cubicBezTo>
+                <a:cubicBezTo>
+                  <a:pt x="72045" y="136405"/>
+                  <a:pt x="82949" y="145431"/>
+                  <a:pt x="87086" y="157843"/>
+                </a:cubicBezTo>
+                <a:lnTo>
+                  <a:pt x="92529" y="174172"/>
+                </a:lnTo>
+              </a:path>
+            </a:pathLst>
+          </a:custGeom>
+          <a:noFill/>
+          <a:ln w="28575">
+            <a:solidFill>
+              <a:srgbClr val="FF0000"/>
+            </a:solidFill>
+            <a:headEnd type="none" w="med" len="med"/>
+            <a:tailEnd type="triangle" w="med" len="med"/>
+          </a:ln>
+        </p:spPr>
+        <p:style>
+          <a:lnRef idx="2">
+            <a:schemeClr val="accent1">
+              <a:shade val="50000"/>
+            </a:schemeClr>
+          </a:lnRef>
+          <a:fillRef idx="1">
+            <a:schemeClr val="accent1"/>
+          </a:fillRef>
+          <a:effectRef idx="0">
+            <a:schemeClr val="accent1"/>
+          </a:effectRef>
+          <a:fontRef idx="minor">
+            <a:schemeClr val="lt1"/>
+          </a:fontRef>
+        </p:style>
+        <p:txBody>
+          <a:bodyPr rtlCol="0" anchor="ctr"/>
+          <a:lstStyle/>
+          <a:p>
+            <a:pPr algn="ctr"/>
+            <a:endParaRPr kumimoji="1" lang="ja-JP" altLang="en-US"/>
+          </a:p>
+        </p:txBody>
+      </p:sp>
+      <p:sp>
+        <p:nvSpPr>
+          <p:cNvPr id="10" name="楕円 9">
+            <a:extLst>
+              <a:ext uri="{FF2B5EF4-FFF2-40B4-BE49-F238E27FC236}">
+                <a16:creationId xmlns:a16="http://schemas.microsoft.com/office/drawing/2014/main" id="{8FD15FFC-541F-2F3A-8650-390CFCFC8878}"/>
+              </a:ext>
+            </a:extLst>
+          </p:cNvPr>
+          <p:cNvSpPr/>
+          <p:nvPr/>
+        </p:nvSpPr>
+        <p:spPr>
+          <a:xfrm>
+            <a:off x="4577444" y="2511878"/>
+            <a:ext cx="114300" cy="103414"/>
+          </a:xfrm>
+          <a:prstGeom prst="ellipse">
+            <a:avLst/>
+          </a:prstGeom>
+          <a:solidFill>
+            <a:schemeClr val="tx1"/>
+          </a:solidFill>
+        </p:spPr>
+        <p:style>
+          <a:lnRef idx="2">
+            <a:schemeClr val="dk1">
+              <a:shade val="50000"/>
+            </a:schemeClr>
+          </a:lnRef>
+          <a:fillRef idx="1">
+            <a:schemeClr val="dk1"/>
+          </a:fillRef>
+          <a:effectRef idx="0">
+            <a:schemeClr val="dk1"/>
+          </a:effectRef>
+          <a:fontRef idx="minor">
+            <a:schemeClr val="lt1"/>
+          </a:fontRef>
+        </p:style>
+        <p:txBody>
+          <a:bodyPr rtlCol="0" anchor="ctr"/>
+          <a:lstStyle/>
+          <a:p>
+            <a:pPr algn="ctr"/>
+            <a:endParaRPr kumimoji="1" lang="ja-JP" altLang="en-US"/>
+          </a:p>
+        </p:txBody>
+      </p:sp>
+      <p:sp>
+        <p:nvSpPr>
+          <p:cNvPr id="11" name="フリーフォーム: 図形 10">
+            <a:extLst>
+              <a:ext uri="{FF2B5EF4-FFF2-40B4-BE49-F238E27FC236}">
+                <a16:creationId xmlns:a16="http://schemas.microsoft.com/office/drawing/2014/main" id="{6A263AD2-7C2F-9866-DAB2-32A05992C181}"/>
+              </a:ext>
+            </a:extLst>
+          </p:cNvPr>
+          <p:cNvSpPr/>
+          <p:nvPr/>
+        </p:nvSpPr>
+        <p:spPr>
+          <a:xfrm>
+            <a:off x="3929743" y="2612571"/>
+            <a:ext cx="1083128" cy="457200"/>
+          </a:xfrm>
+          <a:custGeom>
+            <a:avLst/>
+            <a:gdLst>
+              <a:gd name="connsiteX0" fmla="*/ 702128 w 1083128"/>
+              <a:gd name="connsiteY0" fmla="*/ 0 h 457200"/>
+              <a:gd name="connsiteX1" fmla="*/ 685800 w 1083128"/>
+              <a:gd name="connsiteY1" fmla="*/ 32658 h 457200"/>
+              <a:gd name="connsiteX2" fmla="*/ 631371 w 1083128"/>
+              <a:gd name="connsiteY2" fmla="*/ 54429 h 457200"/>
+              <a:gd name="connsiteX3" fmla="*/ 604157 w 1083128"/>
+              <a:gd name="connsiteY3" fmla="*/ 70758 h 457200"/>
+              <a:gd name="connsiteX4" fmla="*/ 582386 w 1083128"/>
+              <a:gd name="connsiteY4" fmla="*/ 141515 h 457200"/>
+              <a:gd name="connsiteX5" fmla="*/ 527957 w 1083128"/>
+              <a:gd name="connsiteY5" fmla="*/ 326572 h 457200"/>
+              <a:gd name="connsiteX6" fmla="*/ 424543 w 1083128"/>
+              <a:gd name="connsiteY6" fmla="*/ 310243 h 457200"/>
+              <a:gd name="connsiteX7" fmla="*/ 391886 w 1083128"/>
+              <a:gd name="connsiteY7" fmla="*/ 283029 h 457200"/>
+              <a:gd name="connsiteX8" fmla="*/ 353786 w 1083128"/>
+              <a:gd name="connsiteY8" fmla="*/ 266700 h 457200"/>
+              <a:gd name="connsiteX9" fmla="*/ 348343 w 1083128"/>
+              <a:gd name="connsiteY9" fmla="*/ 250372 h 457200"/>
+              <a:gd name="connsiteX10" fmla="*/ 353786 w 1083128"/>
+              <a:gd name="connsiteY10" fmla="*/ 217715 h 457200"/>
+              <a:gd name="connsiteX11" fmla="*/ 293914 w 1083128"/>
+              <a:gd name="connsiteY11" fmla="*/ 152400 h 457200"/>
+              <a:gd name="connsiteX12" fmla="*/ 255814 w 1083128"/>
+              <a:gd name="connsiteY12" fmla="*/ 168729 h 457200"/>
+              <a:gd name="connsiteX13" fmla="*/ 228600 w 1083128"/>
+              <a:gd name="connsiteY13" fmla="*/ 223158 h 457200"/>
+              <a:gd name="connsiteX14" fmla="*/ 217714 w 1083128"/>
+              <a:gd name="connsiteY14" fmla="*/ 239486 h 457200"/>
+              <a:gd name="connsiteX15" fmla="*/ 168728 w 1083128"/>
+              <a:gd name="connsiteY15" fmla="*/ 337458 h 457200"/>
+              <a:gd name="connsiteX16" fmla="*/ 141514 w 1083128"/>
+              <a:gd name="connsiteY16" fmla="*/ 353786 h 457200"/>
+              <a:gd name="connsiteX17" fmla="*/ 114300 w 1083128"/>
+              <a:gd name="connsiteY17" fmla="*/ 375558 h 457200"/>
+              <a:gd name="connsiteX18" fmla="*/ 65314 w 1083128"/>
+              <a:gd name="connsiteY18" fmla="*/ 391886 h 457200"/>
+              <a:gd name="connsiteX19" fmla="*/ 0 w 1083128"/>
+              <a:gd name="connsiteY19" fmla="*/ 419100 h 457200"/>
+              <a:gd name="connsiteX20" fmla="*/ 27214 w 1083128"/>
+              <a:gd name="connsiteY20" fmla="*/ 429986 h 457200"/>
+              <a:gd name="connsiteX21" fmla="*/ 43543 w 1083128"/>
+              <a:gd name="connsiteY21" fmla="*/ 440872 h 457200"/>
+              <a:gd name="connsiteX22" fmla="*/ 119743 w 1083128"/>
+              <a:gd name="connsiteY22" fmla="*/ 457200 h 457200"/>
+              <a:gd name="connsiteX23" fmla="*/ 239486 w 1083128"/>
+              <a:gd name="connsiteY23" fmla="*/ 446315 h 457200"/>
+              <a:gd name="connsiteX24" fmla="*/ 266700 w 1083128"/>
+              <a:gd name="connsiteY24" fmla="*/ 440872 h 457200"/>
+              <a:gd name="connsiteX25" fmla="*/ 299357 w 1083128"/>
+              <a:gd name="connsiteY25" fmla="*/ 435429 h 457200"/>
+              <a:gd name="connsiteX26" fmla="*/ 756557 w 1083128"/>
+              <a:gd name="connsiteY26" fmla="*/ 413658 h 457200"/>
+              <a:gd name="connsiteX27" fmla="*/ 783771 w 1083128"/>
+              <a:gd name="connsiteY27" fmla="*/ 381000 h 457200"/>
+              <a:gd name="connsiteX28" fmla="*/ 821871 w 1083128"/>
+              <a:gd name="connsiteY28" fmla="*/ 326572 h 457200"/>
+              <a:gd name="connsiteX29" fmla="*/ 854528 w 1083128"/>
+              <a:gd name="connsiteY29" fmla="*/ 250372 h 457200"/>
+              <a:gd name="connsiteX30" fmla="*/ 898071 w 1083128"/>
+              <a:gd name="connsiteY30" fmla="*/ 206829 h 457200"/>
+              <a:gd name="connsiteX31" fmla="*/ 930728 w 1083128"/>
+              <a:gd name="connsiteY31" fmla="*/ 201386 h 457200"/>
+              <a:gd name="connsiteX32" fmla="*/ 985157 w 1083128"/>
+              <a:gd name="connsiteY32" fmla="*/ 174172 h 457200"/>
+              <a:gd name="connsiteX33" fmla="*/ 1006928 w 1083128"/>
+              <a:gd name="connsiteY33" fmla="*/ 157843 h 457200"/>
+              <a:gd name="connsiteX34" fmla="*/ 1045028 w 1083128"/>
+              <a:gd name="connsiteY34" fmla="*/ 152400 h 457200"/>
+              <a:gd name="connsiteX35" fmla="*/ 1066800 w 1083128"/>
+              <a:gd name="connsiteY35" fmla="*/ 141515 h 457200"/>
+              <a:gd name="connsiteX36" fmla="*/ 1083128 w 1083128"/>
+              <a:gd name="connsiteY36" fmla="*/ 136072 h 457200"/>
+            </a:gdLst>
+            <a:ahLst/>
+            <a:cxnLst>
+              <a:cxn ang="0">
+                <a:pos x="connsiteX0" y="connsiteY0"/>
+              </a:cxn>
+              <a:cxn ang="0">
+                <a:pos x="connsiteX1" y="connsiteY1"/>
+              </a:cxn>
+              <a:cxn ang="0">
+                <a:pos x="connsiteX2" y="connsiteY2"/>
+              </a:cxn>
+              <a:cxn ang="0">
+                <a:pos x="connsiteX3" y="connsiteY3"/>
+              </a:cxn>
+              <a:cxn ang="0">
+                <a:pos x="connsiteX4" y="connsiteY4"/>
+              </a:cxn>
+              <a:cxn ang="0">
+                <a:pos x="connsiteX5" y="connsiteY5"/>
+              </a:cxn>
+              <a:cxn ang="0">
+                <a:pos x="connsiteX6" y="connsiteY6"/>
+              </a:cxn>
+              <a:cxn ang="0">
+                <a:pos x="connsiteX7" y="connsiteY7"/>
+              </a:cxn>
+              <a:cxn ang="0">
+                <a:pos x="connsiteX8" y="connsiteY8"/>
+              </a:cxn>
+              <a:cxn ang="0">
+                <a:pos x="connsiteX9" y="connsiteY9"/>
+              </a:cxn>
+              <a:cxn ang="0">
+                <a:pos x="connsiteX10" y="connsiteY10"/>
+              </a:cxn>
+              <a:cxn ang="0">
+                <a:pos x="connsiteX11" y="connsiteY11"/>
+              </a:cxn>
+              <a:cxn ang="0">
+                <a:pos x="connsiteX12" y="connsiteY12"/>
+              </a:cxn>
+              <a:cxn ang="0">
+                <a:pos x="connsiteX13" y="connsiteY13"/>
+              </a:cxn>
+              <a:cxn ang="0">
+                <a:pos x="connsiteX14" y="connsiteY14"/>
+              </a:cxn>
+              <a:cxn ang="0">
+                <a:pos x="connsiteX15" y="connsiteY15"/>
+              </a:cxn>
+              <a:cxn ang="0">
+                <a:pos x="connsiteX16" y="connsiteY16"/>
+              </a:cxn>
+              <a:cxn ang="0">
+                <a:pos x="connsiteX17" y="connsiteY17"/>
+              </a:cxn>
+              <a:cxn ang="0">
+                <a:pos x="connsiteX18" y="connsiteY18"/>
+              </a:cxn>
+              <a:cxn ang="0">
+                <a:pos x="connsiteX19" y="connsiteY19"/>
+              </a:cxn>
+              <a:cxn ang="0">
+                <a:pos x="connsiteX20" y="connsiteY20"/>
+              </a:cxn>
+              <a:cxn ang="0">
+                <a:pos x="connsiteX21" y="connsiteY21"/>
+              </a:cxn>
+              <a:cxn ang="0">
+                <a:pos x="connsiteX22" y="connsiteY22"/>
+              </a:cxn>
+              <a:cxn ang="0">
+                <a:pos x="connsiteX23" y="connsiteY23"/>
+              </a:cxn>
+              <a:cxn ang="0">
+                <a:pos x="connsiteX24" y="connsiteY24"/>
+              </a:cxn>
+              <a:cxn ang="0">
+                <a:pos x="connsiteX25" y="connsiteY25"/>
+              </a:cxn>
+              <a:cxn ang="0">
+                <a:pos x="connsiteX26" y="connsiteY26"/>
+              </a:cxn>
+              <a:cxn ang="0">
+                <a:pos x="connsiteX27" y="connsiteY27"/>
+              </a:cxn>
+              <a:cxn ang="0">
+                <a:pos x="connsiteX28" y="connsiteY28"/>
+              </a:cxn>
+              <a:cxn ang="0">
+                <a:pos x="connsiteX29" y="connsiteY29"/>
+              </a:cxn>
+              <a:cxn ang="0">
+                <a:pos x="connsiteX30" y="connsiteY30"/>
+              </a:cxn>
+              <a:cxn ang="0">
+                <a:pos x="connsiteX31" y="connsiteY31"/>
+              </a:cxn>
+              <a:cxn ang="0">
+                <a:pos x="connsiteX32" y="connsiteY32"/>
+              </a:cxn>
+              <a:cxn ang="0">
+                <a:pos x="connsiteX33" y="connsiteY33"/>
+              </a:cxn>
+              <a:cxn ang="0">
+                <a:pos x="connsiteX34" y="connsiteY34"/>
+              </a:cxn>
+              <a:cxn ang="0">
+                <a:pos x="connsiteX35" y="connsiteY35"/>
+              </a:cxn>
+              <a:cxn ang="0">
+                <a:pos x="connsiteX36" y="connsiteY36"/>
+              </a:cxn>
+            </a:cxnLst>
+            <a:rect l="l" t="t" r="r" b="b"/>
+            <a:pathLst>
+              <a:path w="1083128" h="457200">
+                <a:moveTo>
+                  <a:pt x="702128" y="0"/>
+                </a:moveTo>
+                <a:cubicBezTo>
+                  <a:pt x="696685" y="10886"/>
+                  <a:pt x="693814" y="23499"/>
+                  <a:pt x="685800" y="32658"/>
+                </a:cubicBezTo>
+                <a:cubicBezTo>
+                  <a:pt x="678662" y="40816"/>
+                  <a:pt x="636516" y="52090"/>
+                  <a:pt x="631371" y="54429"/>
+                </a:cubicBezTo>
+                <a:cubicBezTo>
+                  <a:pt x="621740" y="58807"/>
+                  <a:pt x="613228" y="65315"/>
+                  <a:pt x="604157" y="70758"/>
+                </a:cubicBezTo>
+                <a:cubicBezTo>
+                  <a:pt x="596900" y="94344"/>
+                  <a:pt x="587739" y="117426"/>
+                  <a:pt x="582386" y="141515"/>
+                </a:cubicBezTo>
+                <a:cubicBezTo>
+                  <a:pt x="541118" y="327218"/>
+                  <a:pt x="603537" y="288780"/>
+                  <a:pt x="527957" y="326572"/>
+                </a:cubicBezTo>
+                <a:cubicBezTo>
+                  <a:pt x="493486" y="321129"/>
+                  <a:pt x="457781" y="320879"/>
+                  <a:pt x="424543" y="310243"/>
+                </a:cubicBezTo>
+                <a:cubicBezTo>
+                  <a:pt x="411047" y="305924"/>
+                  <a:pt x="403954" y="290455"/>
+                  <a:pt x="391886" y="283029"/>
+                </a:cubicBezTo>
+                <a:cubicBezTo>
+                  <a:pt x="380118" y="275787"/>
+                  <a:pt x="366486" y="272143"/>
+                  <a:pt x="353786" y="266700"/>
+                </a:cubicBezTo>
+                <a:cubicBezTo>
+                  <a:pt x="351972" y="261257"/>
+                  <a:pt x="348343" y="256109"/>
+                  <a:pt x="348343" y="250372"/>
+                </a:cubicBezTo>
+                <a:cubicBezTo>
+                  <a:pt x="348343" y="239336"/>
+                  <a:pt x="356098" y="228506"/>
+                  <a:pt x="353786" y="217715"/>
+                </a:cubicBezTo>
+                <a:cubicBezTo>
+                  <a:pt x="343909" y="171625"/>
+                  <a:pt x="329485" y="172727"/>
+                  <a:pt x="293914" y="152400"/>
+                </a:cubicBezTo>
+                <a:cubicBezTo>
+                  <a:pt x="281214" y="157843"/>
+                  <a:pt x="266508" y="159979"/>
+                  <a:pt x="255814" y="168729"/>
+                </a:cubicBezTo>
+                <a:cubicBezTo>
+                  <a:pt x="224982" y="193956"/>
+                  <a:pt x="240025" y="196501"/>
+                  <a:pt x="228600" y="223158"/>
+                </a:cubicBezTo>
+                <a:cubicBezTo>
+                  <a:pt x="226023" y="229170"/>
+                  <a:pt x="220639" y="233635"/>
+                  <a:pt x="217714" y="239486"/>
+                </a:cubicBezTo>
+                <a:cubicBezTo>
+                  <a:pt x="204931" y="265053"/>
+                  <a:pt x="187295" y="315178"/>
+                  <a:pt x="168728" y="337458"/>
+                </a:cubicBezTo>
+                <a:cubicBezTo>
+                  <a:pt x="161956" y="345585"/>
+                  <a:pt x="150180" y="347719"/>
+                  <a:pt x="141514" y="353786"/>
+                </a:cubicBezTo>
+                <a:cubicBezTo>
+                  <a:pt x="131997" y="360448"/>
+                  <a:pt x="124262" y="369581"/>
+                  <a:pt x="114300" y="375558"/>
+                </a:cubicBezTo>
+                <a:cubicBezTo>
+                  <a:pt x="96113" y="386470"/>
+                  <a:pt x="84334" y="386180"/>
+                  <a:pt x="65314" y="391886"/>
+                </a:cubicBezTo>
+                <a:cubicBezTo>
+                  <a:pt x="28480" y="402936"/>
+                  <a:pt x="35104" y="401548"/>
+                  <a:pt x="0" y="419100"/>
+                </a:cubicBezTo>
+                <a:cubicBezTo>
+                  <a:pt x="9071" y="422729"/>
+                  <a:pt x="18475" y="425617"/>
+                  <a:pt x="27214" y="429986"/>
+                </a:cubicBezTo>
+                <a:cubicBezTo>
+                  <a:pt x="33065" y="432912"/>
+                  <a:pt x="37267" y="439026"/>
+                  <a:pt x="43543" y="440872"/>
+                </a:cubicBezTo>
+                <a:cubicBezTo>
+                  <a:pt x="68464" y="448202"/>
+                  <a:pt x="94343" y="451757"/>
+                  <a:pt x="119743" y="457200"/>
+                </a:cubicBezTo>
+                <a:cubicBezTo>
+                  <a:pt x="159657" y="453572"/>
+                  <a:pt x="199652" y="450741"/>
+                  <a:pt x="239486" y="446315"/>
+                </a:cubicBezTo>
+                <a:cubicBezTo>
+                  <a:pt x="248680" y="445293"/>
+                  <a:pt x="257598" y="442527"/>
+                  <a:pt x="266700" y="440872"/>
+                </a:cubicBezTo>
+                <a:cubicBezTo>
+                  <a:pt x="277558" y="438898"/>
+                  <a:pt x="288471" y="437243"/>
+                  <a:pt x="299357" y="435429"/>
+                </a:cubicBezTo>
+                <a:cubicBezTo>
+                  <a:pt x="474264" y="440032"/>
+                  <a:pt x="578628" y="452035"/>
+                  <a:pt x="756557" y="413658"/>
+                </a:cubicBezTo>
+                <a:cubicBezTo>
+                  <a:pt x="770409" y="410670"/>
+                  <a:pt x="775269" y="392336"/>
+                  <a:pt x="783771" y="381000"/>
+                </a:cubicBezTo>
+                <a:cubicBezTo>
+                  <a:pt x="797059" y="363283"/>
+                  <a:pt x="811116" y="345931"/>
+                  <a:pt x="821871" y="326572"/>
+                </a:cubicBezTo>
+                <a:cubicBezTo>
+                  <a:pt x="835469" y="302097"/>
+                  <a:pt x="836767" y="272976"/>
+                  <a:pt x="854528" y="250372"/>
+                </a:cubicBezTo>
+                <a:cubicBezTo>
+                  <a:pt x="867210" y="234232"/>
+                  <a:pt x="877824" y="210204"/>
+                  <a:pt x="898071" y="206829"/>
+                </a:cubicBezTo>
+                <a:lnTo>
+                  <a:pt x="930728" y="201386"/>
+                </a:lnTo>
+                <a:cubicBezTo>
+                  <a:pt x="948871" y="192315"/>
+                  <a:pt x="968930" y="186343"/>
+                  <a:pt x="985157" y="174172"/>
+                </a:cubicBezTo>
+                <a:cubicBezTo>
+                  <a:pt x="992414" y="168729"/>
+                  <a:pt x="998403" y="160943"/>
+                  <a:pt x="1006928" y="157843"/>
+                </a:cubicBezTo>
+                <a:cubicBezTo>
+                  <a:pt x="1018985" y="153459"/>
+                  <a:pt x="1032328" y="154214"/>
+                  <a:pt x="1045028" y="152400"/>
+                </a:cubicBezTo>
+                <a:cubicBezTo>
+                  <a:pt x="1052285" y="148772"/>
+                  <a:pt x="1059342" y="144711"/>
+                  <a:pt x="1066800" y="141515"/>
+                </a:cubicBezTo>
+                <a:cubicBezTo>
+                  <a:pt x="1072073" y="139255"/>
+                  <a:pt x="1083128" y="136072"/>
+                  <a:pt x="1083128" y="136072"/>
+                </a:cubicBezTo>
+              </a:path>
+            </a:pathLst>
+          </a:custGeom>
+          <a:noFill/>
+          <a:ln w="28575">
+            <a:solidFill>
+              <a:schemeClr val="tx1"/>
+            </a:solidFill>
+            <a:headEnd type="none" w="med" len="med"/>
+            <a:tailEnd type="triangle" w="med" len="med"/>
+          </a:ln>
+        </p:spPr>
+        <p:style>
+          <a:lnRef idx="2">
+            <a:schemeClr val="accent1">
+              <a:shade val="50000"/>
+            </a:schemeClr>
+          </a:lnRef>
+          <a:fillRef idx="1">
+            <a:schemeClr val="accent1"/>
+          </a:fillRef>
+          <a:effectRef idx="0">
+            <a:schemeClr val="accent1"/>
+          </a:effectRef>
+          <a:fontRef idx="minor">
+            <a:schemeClr val="lt1"/>
+          </a:fontRef>
+        </p:style>
+        <p:txBody>
+          <a:bodyPr rtlCol="0" anchor="ctr"/>
+          <a:lstStyle/>
+          <a:p>
+            <a:pPr algn="ctr"/>
+            <a:endParaRPr kumimoji="1" lang="ja-JP" altLang="en-US"/>
+          </a:p>
+        </p:txBody>
+      </p:sp>
+      <p:sp>
+        <p:nvSpPr>
+          <p:cNvPr id="12" name="楕円 11">
+            <a:extLst>
+              <a:ext uri="{FF2B5EF4-FFF2-40B4-BE49-F238E27FC236}">
+                <a16:creationId xmlns:a16="http://schemas.microsoft.com/office/drawing/2014/main" id="{5530C7ED-5D9E-BDAE-3103-0680BBE770C6}"/>
+              </a:ext>
+            </a:extLst>
+          </p:cNvPr>
+          <p:cNvSpPr/>
+          <p:nvPr/>
+        </p:nvSpPr>
+        <p:spPr>
+          <a:xfrm>
+            <a:off x="5012871" y="2683329"/>
+            <a:ext cx="114300" cy="103414"/>
+          </a:xfrm>
+          <a:prstGeom prst="ellipse">
+            <a:avLst/>
+          </a:prstGeom>
+          <a:solidFill>
+            <a:schemeClr val="accent2"/>
+          </a:solidFill>
+        </p:spPr>
+        <p:style>
+          <a:lnRef idx="2">
+            <a:schemeClr val="dk1">
+              <a:shade val="50000"/>
+            </a:schemeClr>
+          </a:lnRef>
+          <a:fillRef idx="1">
+            <a:schemeClr val="dk1"/>
+          </a:fillRef>
+          <a:effectRef idx="0">
+            <a:schemeClr val="dk1"/>
+          </a:effectRef>
+          <a:fontRef idx="minor">
+            <a:schemeClr val="lt1"/>
+          </a:fontRef>
+        </p:style>
+        <p:txBody>
+          <a:bodyPr rtlCol="0" anchor="ctr"/>
+          <a:lstStyle/>
+          <a:p>
+            <a:pPr algn="ctr"/>
+            <a:endParaRPr kumimoji="1" lang="ja-JP" altLang="en-US">
+              <a:solidFill>
+                <a:schemeClr val="accent2"/>
+              </a:solidFill>
+            </a:endParaRPr>
+          </a:p>
+        </p:txBody>
+      </p:sp>
+      <p:sp>
+        <p:nvSpPr>
+          <p:cNvPr id="13" name="テキスト ボックス 12">
+            <a:extLst>
+              <a:ext uri="{FF2B5EF4-FFF2-40B4-BE49-F238E27FC236}">
+                <a16:creationId xmlns:a16="http://schemas.microsoft.com/office/drawing/2014/main" id="{8C43247F-232F-7265-92AB-25EFE3B707DA}"/>
+              </a:ext>
+            </a:extLst>
+          </p:cNvPr>
+          <p:cNvSpPr txBox="1"/>
+          <p:nvPr/>
+        </p:nvSpPr>
+        <p:spPr>
+          <a:xfrm>
+            <a:off x="2113189" y="3371850"/>
+            <a:ext cx="3633107" cy="369332"/>
+          </a:xfrm>
+          <a:prstGeom prst="rect">
+            <a:avLst/>
+          </a:prstGeom>
+          <a:noFill/>
+        </p:spPr>
+        <p:txBody>
+          <a:bodyPr wrap="square" rtlCol="0">
+            <a:spAutoFit/>
+          </a:bodyPr>
+          <a:lstStyle/>
+          <a:p>
+            <a:r>
+              <a:rPr kumimoji="1" lang="en-US" altLang="ja-JP" dirty="0">
+                <a:solidFill>
+                  <a:srgbClr val="4472C4"/>
+                </a:solidFill>
+              </a:rPr>
+              <a:t>Original</a:t>
+            </a:r>
+            <a:r>
+              <a:rPr kumimoji="1" lang="en-US" altLang="ja-JP" dirty="0"/>
+              <a:t>, Scramble, </a:t>
+            </a:r>
+            <a:r>
+              <a:rPr kumimoji="1" lang="en-US" altLang="ja-JP" dirty="0">
+                <a:solidFill>
+                  <a:srgbClr val="FF0000"/>
+                </a:solidFill>
+              </a:rPr>
+              <a:t>Error</a:t>
+            </a:r>
+            <a:r>
+              <a:rPr kumimoji="1" lang="en-US" altLang="ja-JP" dirty="0"/>
+              <a:t>,</a:t>
+            </a:r>
+            <a:r>
+              <a:rPr kumimoji="1" lang="en-US" altLang="ja-JP" dirty="0">
+                <a:solidFill>
+                  <a:srgbClr val="FF0000"/>
+                </a:solidFill>
+              </a:rPr>
+              <a:t> </a:t>
+            </a:r>
+            <a:r>
+              <a:rPr kumimoji="1" lang="en-US" altLang="ja-JP" dirty="0">
+                <a:solidFill>
+                  <a:srgbClr val="ED7D31"/>
+                </a:solidFill>
+              </a:rPr>
+              <a:t>Broken</a:t>
+            </a:r>
+            <a:endParaRPr kumimoji="1" lang="ja-JP" altLang="en-US" dirty="0">
+              <a:solidFill>
+                <a:srgbClr val="ED7D31"/>
+              </a:solidFill>
+            </a:endParaRPr>
+          </a:p>
+        </p:txBody>
+      </p:sp>
+    </p:spTree>
+    <p:extLst>
+      <p:ext uri="{BB962C8B-B14F-4D97-AF65-F5344CB8AC3E}">
+        <p14:creationId xmlns:p14="http://schemas.microsoft.com/office/powerpoint/2010/main" val="866147798"/>
+      </p:ext>
+    </p:extLst>
+  </p:cSld>
+  <p:clrMapOvr>
+    <a:masterClrMapping/>
+  </p:clrMapOvr>
+</p:sld>
+</file>
+
 <file path=ppt/theme/theme1.xml><?xml version="1.0" encoding="utf-8"?>
 <a:theme xmlns:a="http://schemas.openxmlformats.org/drawingml/2006/main" name="Office テーマ">
   <a:themeElements>

--- a/docs/bitsnarl_figs.pptx
+++ b/docs/bitsnarl_figs.pptx
@@ -6,8 +6,9 @@
   </p:sldMasterIdLst>
   <p:sldIdLst>
     <p:sldId id="256" r:id="rId2"/>
-    <p:sldId id="257" r:id="rId3"/>
-    <p:sldId id="258" r:id="rId4"/>
+    <p:sldId id="259" r:id="rId3"/>
+    <p:sldId id="257" r:id="rId4"/>
+    <p:sldId id="258" r:id="rId5"/>
   </p:sldIdLst>
   <p:sldSz cx="12192000" cy="6858000"/>
   <p:notesSz cx="6858000" cy="9144000"/>
@@ -106,6 +107,11 @@
       </a:defRPr>
     </a:lvl9pPr>
   </p:defaultTextStyle>
+  <p:extLst>
+    <p:ext uri="{EFAFB233-063F-42B5-8137-9DF3F51BA10A}">
+      <p15:sldGuideLst xmlns:p15="http://schemas.microsoft.com/office/powerpoint/2012/main"/>
+    </p:ext>
+  </p:extLst>
 </p:presentation>
 </file>
 
@@ -5162,33 +5168,1456 @@
           <a:chExt cx="0" cy="0"/>
         </a:xfrm>
       </p:grpSpPr>
-      <p:sp>
-        <p:nvSpPr>
-          <p:cNvPr id="4" name="楕円 3">
-            <a:extLst>
-              <a:ext uri="{FF2B5EF4-FFF2-40B4-BE49-F238E27FC236}">
-                <a16:creationId xmlns:a16="http://schemas.microsoft.com/office/drawing/2014/main" id="{FD031EA4-40D9-708D-1747-5B0DCD3CF864}"/>
-              </a:ext>
-            </a:extLst>
-          </p:cNvPr>
-          <p:cNvSpPr/>
+      <p:pic>
+        <p:nvPicPr>
+          <p:cNvPr id="5" name="グラフィックス 4" descr="封筒を開く 枠線">
+            <a:extLst>
+              <a:ext uri="{FF2B5EF4-FFF2-40B4-BE49-F238E27FC236}">
+                <a16:creationId xmlns:a16="http://schemas.microsoft.com/office/drawing/2014/main" id="{C38647E9-EAA4-3FE7-0CE9-C3C232B723E7}"/>
+              </a:ext>
+            </a:extLst>
+          </p:cNvPr>
+          <p:cNvPicPr>
+            <a:picLocks noChangeAspect="1"/>
+          </p:cNvPicPr>
           <p:nvPr/>
-        </p:nvSpPr>
-        <p:spPr>
-          <a:xfrm>
-            <a:off x="2171701" y="2046515"/>
-            <a:ext cx="3499757" cy="1273628"/>
-          </a:xfrm>
-          <a:prstGeom prst="ellipse">
+        </p:nvPicPr>
+        <p:blipFill>
+          <a:blip r:embed="rId2">
+            <a:extLst>
+              <a:ext uri="{28A0092B-C50C-407E-A947-70E740481C1C}">
+                <a14:useLocalDpi xmlns:a14="http://schemas.microsoft.com/office/drawing/2010/main" val="0"/>
+              </a:ext>
+              <a:ext uri="{96DAC541-7B7A-43D3-8B79-37D633B846F1}">
+                <asvg:svgBlip xmlns:asvg="http://schemas.microsoft.com/office/drawing/2016/SVG/main" r:embed="rId3"/>
+              </a:ext>
+            </a:extLst>
+          </a:blip>
+          <a:stretch>
+            <a:fillRect/>
+          </a:stretch>
+        </p:blipFill>
+        <p:spPr>
+          <a:xfrm>
+            <a:off x="8265526" y="969579"/>
+            <a:ext cx="749067" cy="749067"/>
+          </a:xfrm>
+          <a:prstGeom prst="rect">
+            <a:avLst/>
+          </a:prstGeom>
+        </p:spPr>
+      </p:pic>
+      <p:sp>
+        <p:nvSpPr>
+          <p:cNvPr id="6" name="テキスト ボックス 5">
+            <a:extLst>
+              <a:ext uri="{FF2B5EF4-FFF2-40B4-BE49-F238E27FC236}">
+                <a16:creationId xmlns:a16="http://schemas.microsoft.com/office/drawing/2014/main" id="{05EB9053-7E54-7C03-0307-42716779223E}"/>
+              </a:ext>
+            </a:extLst>
+          </p:cNvPr>
+          <p:cNvSpPr txBox="1"/>
+          <p:nvPr/>
+        </p:nvSpPr>
+        <p:spPr>
+          <a:xfrm>
+            <a:off x="2086933" y="1691358"/>
+            <a:ext cx="1259598" cy="369332"/>
+          </a:xfrm>
+          <a:prstGeom prst="rect">
             <a:avLst/>
           </a:prstGeom>
           <a:noFill/>
-          <a:ln w="38100">
+        </p:spPr>
+        <p:txBody>
+          <a:bodyPr wrap="square" rtlCol="0">
+            <a:spAutoFit/>
+          </a:bodyPr>
+          <a:lstStyle/>
+          <a:p>
+            <a:r>
+              <a:rPr kumimoji="1" lang="en-US" altLang="ja-JP" i="1" dirty="0">
+                <a:latin typeface="Arial" panose="020B0604020202020204" pitchFamily="34" charset="0"/>
+                <a:cs typeface="Arial" panose="020B0604020202020204" pitchFamily="34" charset="0"/>
+              </a:rPr>
+              <a:t>“L o v e”</a:t>
+            </a:r>
+            <a:endParaRPr kumimoji="1" lang="ja-JP" altLang="en-US" i="1" dirty="0">
+              <a:latin typeface="Arial" panose="020B0604020202020204" pitchFamily="34" charset="0"/>
+              <a:cs typeface="Arial" panose="020B0604020202020204" pitchFamily="34" charset="0"/>
+            </a:endParaRPr>
+          </a:p>
+        </p:txBody>
+      </p:sp>
+      <p:sp>
+        <p:nvSpPr>
+          <p:cNvPr id="7" name="テキスト ボックス 6">
+            <a:extLst>
+              <a:ext uri="{FF2B5EF4-FFF2-40B4-BE49-F238E27FC236}">
+                <a16:creationId xmlns:a16="http://schemas.microsoft.com/office/drawing/2014/main" id="{4F3171A6-0B1C-D571-5BF1-841264F6F263}"/>
+              </a:ext>
+            </a:extLst>
+          </p:cNvPr>
+          <p:cNvSpPr txBox="1"/>
+          <p:nvPr/>
+        </p:nvSpPr>
+        <p:spPr>
+          <a:xfrm>
+            <a:off x="1374745" y="1093667"/>
+            <a:ext cx="2525486" cy="646331"/>
+          </a:xfrm>
+          <a:prstGeom prst="rect">
+            <a:avLst/>
+          </a:prstGeom>
+          <a:noFill/>
+        </p:spPr>
+        <p:txBody>
+          <a:bodyPr wrap="square" rtlCol="0">
+            <a:spAutoFit/>
+          </a:bodyPr>
+          <a:lstStyle/>
+          <a:p>
+            <a:r>
+              <a:rPr kumimoji="1" lang="en-US" altLang="ja-JP" b="1" dirty="0">
+                <a:solidFill>
+                  <a:srgbClr val="4472C4"/>
+                </a:solidFill>
+                <a:latin typeface="Cascadia Code" panose="020B0609020000020004" pitchFamily="49" charset="0"/>
+                <a:ea typeface="Cascadia Code" panose="020B0609020000020004" pitchFamily="49" charset="0"/>
+                <a:cs typeface="Cascadia Code" panose="020B0609020000020004" pitchFamily="49" charset="0"/>
+              </a:rPr>
+              <a:t>01001100 01101111 01110110 01100101</a:t>
+            </a:r>
+            <a:endParaRPr kumimoji="1" lang="ja-JP" altLang="en-US" b="1" dirty="0">
+              <a:solidFill>
+                <a:srgbClr val="4472C4"/>
+              </a:solidFill>
+              <a:latin typeface="Cascadia Code" panose="020B0609020000020004" pitchFamily="49" charset="0"/>
+              <a:cs typeface="Cascadia Code" panose="020B0609020000020004" pitchFamily="49" charset="0"/>
+            </a:endParaRPr>
+          </a:p>
+        </p:txBody>
+      </p:sp>
+      <p:sp>
+        <p:nvSpPr>
+          <p:cNvPr id="8" name="矢印: 下 7">
+            <a:extLst>
+              <a:ext uri="{FF2B5EF4-FFF2-40B4-BE49-F238E27FC236}">
+                <a16:creationId xmlns:a16="http://schemas.microsoft.com/office/drawing/2014/main" id="{B61772DF-1BB0-A2A8-7BCE-1E8B49F42F4B}"/>
+              </a:ext>
+            </a:extLst>
+          </p:cNvPr>
+          <p:cNvSpPr/>
+          <p:nvPr/>
+        </p:nvSpPr>
+        <p:spPr>
+          <a:xfrm>
+            <a:off x="2429686" y="2163338"/>
+            <a:ext cx="415603" cy="598714"/>
+          </a:xfrm>
+          <a:prstGeom prst="downArrow">
+            <a:avLst/>
+          </a:prstGeom>
+          <a:ln w="28575"/>
+        </p:spPr>
+        <p:style>
+          <a:lnRef idx="2">
+            <a:schemeClr val="dk1"/>
+          </a:lnRef>
+          <a:fillRef idx="1">
+            <a:schemeClr val="lt1"/>
+          </a:fillRef>
+          <a:effectRef idx="0">
+            <a:schemeClr val="dk1"/>
+          </a:effectRef>
+          <a:fontRef idx="minor">
+            <a:schemeClr val="dk1"/>
+          </a:fontRef>
+        </p:style>
+        <p:txBody>
+          <a:bodyPr rtlCol="0" anchor="ctr"/>
+          <a:lstStyle/>
+          <a:p>
+            <a:pPr algn="ctr"/>
+            <a:endParaRPr kumimoji="1" lang="ja-JP" altLang="en-US"/>
+          </a:p>
+        </p:txBody>
+      </p:sp>
+      <p:sp>
+        <p:nvSpPr>
+          <p:cNvPr id="9" name="テキスト ボックス 8">
+            <a:extLst>
+              <a:ext uri="{FF2B5EF4-FFF2-40B4-BE49-F238E27FC236}">
+                <a16:creationId xmlns:a16="http://schemas.microsoft.com/office/drawing/2014/main" id="{58152211-61BB-631C-3B47-06BFDCE280A5}"/>
+              </a:ext>
+            </a:extLst>
+          </p:cNvPr>
+          <p:cNvSpPr txBox="1"/>
+          <p:nvPr/>
+        </p:nvSpPr>
+        <p:spPr>
+          <a:xfrm>
+            <a:off x="1374745" y="2825330"/>
+            <a:ext cx="2525486" cy="646331"/>
+          </a:xfrm>
+          <a:prstGeom prst="rect">
+            <a:avLst/>
+          </a:prstGeom>
+          <a:noFill/>
+        </p:spPr>
+        <p:txBody>
+          <a:bodyPr wrap="square" rtlCol="0">
+            <a:spAutoFit/>
+          </a:bodyPr>
+          <a:lstStyle/>
+          <a:p>
+            <a:r>
+              <a:rPr kumimoji="1" lang="en-US" altLang="ja-JP" b="1" dirty="0">
+                <a:latin typeface="Cascadia Code" panose="020B0609020000020004" pitchFamily="49" charset="0"/>
+                <a:ea typeface="Cascadia Code" panose="020B0609020000020004" pitchFamily="49" charset="0"/>
+                <a:cs typeface="Cascadia Code" panose="020B0609020000020004" pitchFamily="49" charset="0"/>
+              </a:rPr>
+              <a:t>00000011 00110001 10111110 11011111</a:t>
+            </a:r>
+            <a:endParaRPr kumimoji="1" lang="ja-JP" altLang="en-US" b="1" dirty="0">
+              <a:latin typeface="Cascadia Code" panose="020B0609020000020004" pitchFamily="49" charset="0"/>
+              <a:cs typeface="Cascadia Code" panose="020B0609020000020004" pitchFamily="49" charset="0"/>
+            </a:endParaRPr>
+          </a:p>
+        </p:txBody>
+      </p:sp>
+      <p:sp>
+        <p:nvSpPr>
+          <p:cNvPr id="16" name="テキスト ボックス 15">
+            <a:extLst>
+              <a:ext uri="{FF2B5EF4-FFF2-40B4-BE49-F238E27FC236}">
+                <a16:creationId xmlns:a16="http://schemas.microsoft.com/office/drawing/2014/main" id="{5FC74B2D-C263-46E6-4F78-CBD448BBB6D2}"/>
+              </a:ext>
+            </a:extLst>
+          </p:cNvPr>
+          <p:cNvSpPr txBox="1"/>
+          <p:nvPr/>
+        </p:nvSpPr>
+        <p:spPr>
+          <a:xfrm>
+            <a:off x="5805231" y="5096578"/>
+            <a:ext cx="2525486" cy="646331"/>
+          </a:xfrm>
+          <a:prstGeom prst="rect">
+            <a:avLst/>
+          </a:prstGeom>
+          <a:noFill/>
+        </p:spPr>
+        <p:txBody>
+          <a:bodyPr wrap="square" rtlCol="0">
+            <a:spAutoFit/>
+          </a:bodyPr>
+          <a:lstStyle/>
+          <a:p>
+            <a:r>
+              <a:rPr kumimoji="1" lang="en-US" altLang="ja-JP" b="1" dirty="0">
+                <a:solidFill>
+                  <a:srgbClr val="4472C4"/>
+                </a:solidFill>
+                <a:latin typeface="Cascadia Code" panose="020B0609020000020004" pitchFamily="49" charset="0"/>
+                <a:cs typeface="Cascadia Code" panose="020B0609020000020004" pitchFamily="49" charset="0"/>
+              </a:rPr>
+              <a:t>0</a:t>
+            </a:r>
+            <a:r>
+              <a:rPr kumimoji="1" lang="en-US" altLang="ja-JP" b="1" dirty="0">
+                <a:solidFill>
+                  <a:srgbClr val="FF0000"/>
+                </a:solidFill>
+                <a:latin typeface="Cascadia Code" panose="020B0609020000020004" pitchFamily="49" charset="0"/>
+                <a:cs typeface="Cascadia Code" panose="020B0609020000020004" pitchFamily="49" charset="0"/>
+              </a:rPr>
+              <a:t>0</a:t>
+            </a:r>
+            <a:r>
+              <a:rPr kumimoji="1" lang="en-US" altLang="ja-JP" b="1" dirty="0">
+                <a:solidFill>
+                  <a:srgbClr val="4472C4"/>
+                </a:solidFill>
+                <a:latin typeface="Cascadia Code" panose="020B0609020000020004" pitchFamily="49" charset="0"/>
+                <a:cs typeface="Cascadia Code" panose="020B0609020000020004" pitchFamily="49" charset="0"/>
+              </a:rPr>
+              <a:t>0</a:t>
+            </a:r>
+            <a:r>
+              <a:rPr kumimoji="1" lang="en-US" altLang="ja-JP" b="1" dirty="0">
+                <a:solidFill>
+                  <a:srgbClr val="FF0000"/>
+                </a:solidFill>
+                <a:latin typeface="Cascadia Code" panose="020B0609020000020004" pitchFamily="49" charset="0"/>
+                <a:cs typeface="Cascadia Code" panose="020B0609020000020004" pitchFamily="49" charset="0"/>
+              </a:rPr>
+              <a:t>1</a:t>
+            </a:r>
+            <a:r>
+              <a:rPr kumimoji="1" lang="en-US" altLang="ja-JP" b="1" dirty="0">
+                <a:solidFill>
+                  <a:srgbClr val="4472C4"/>
+                </a:solidFill>
+                <a:latin typeface="Cascadia Code" panose="020B0609020000020004" pitchFamily="49" charset="0"/>
+                <a:cs typeface="Cascadia Code" panose="020B0609020000020004" pitchFamily="49" charset="0"/>
+              </a:rPr>
+              <a:t>1</a:t>
+            </a:r>
+            <a:r>
+              <a:rPr kumimoji="1" lang="en-US" altLang="ja-JP" b="1" dirty="0">
+                <a:solidFill>
+                  <a:srgbClr val="FF0000"/>
+                </a:solidFill>
+                <a:latin typeface="Cascadia Code" panose="020B0609020000020004" pitchFamily="49" charset="0"/>
+                <a:cs typeface="Cascadia Code" panose="020B0609020000020004" pitchFamily="49" charset="0"/>
+              </a:rPr>
+              <a:t>011</a:t>
+            </a:r>
+            <a:r>
+              <a:rPr kumimoji="1" lang="en-US" altLang="ja-JP" b="1" dirty="0">
+                <a:solidFill>
+                  <a:srgbClr val="4472C4"/>
+                </a:solidFill>
+                <a:latin typeface="Cascadia Code" panose="020B0609020000020004" pitchFamily="49" charset="0"/>
+                <a:cs typeface="Cascadia Code" panose="020B0609020000020004" pitchFamily="49" charset="0"/>
+              </a:rPr>
+              <a:t> 0</a:t>
+            </a:r>
+            <a:r>
+              <a:rPr kumimoji="1" lang="en-US" altLang="ja-JP" b="1" dirty="0">
+                <a:solidFill>
+                  <a:srgbClr val="FF0000"/>
+                </a:solidFill>
+                <a:latin typeface="Cascadia Code" panose="020B0609020000020004" pitchFamily="49" charset="0"/>
+                <a:cs typeface="Cascadia Code" panose="020B0609020000020004" pitchFamily="49" charset="0"/>
+              </a:rPr>
+              <a:t>0</a:t>
+            </a:r>
+            <a:r>
+              <a:rPr kumimoji="1" lang="en-US" altLang="ja-JP" b="1" dirty="0">
+                <a:solidFill>
+                  <a:srgbClr val="4472C4"/>
+                </a:solidFill>
+                <a:latin typeface="Cascadia Code" panose="020B0609020000020004" pitchFamily="49" charset="0"/>
+                <a:cs typeface="Cascadia Code" panose="020B0609020000020004" pitchFamily="49" charset="0"/>
+              </a:rPr>
+              <a:t>10111</a:t>
+            </a:r>
+            <a:r>
+              <a:rPr kumimoji="1" lang="en-US" altLang="ja-JP" b="1" dirty="0">
+                <a:solidFill>
+                  <a:srgbClr val="FF0000"/>
+                </a:solidFill>
+                <a:latin typeface="Cascadia Code" panose="020B0609020000020004" pitchFamily="49" charset="0"/>
+                <a:cs typeface="Cascadia Code" panose="020B0609020000020004" pitchFamily="49" charset="0"/>
+              </a:rPr>
+              <a:t>0</a:t>
+            </a:r>
+            <a:r>
+              <a:rPr kumimoji="1" lang="en-US" altLang="ja-JP" b="1" dirty="0">
+                <a:solidFill>
+                  <a:srgbClr val="4472C4"/>
+                </a:solidFill>
+                <a:latin typeface="Cascadia Code" panose="020B0609020000020004" pitchFamily="49" charset="0"/>
+                <a:cs typeface="Cascadia Code" panose="020B0609020000020004" pitchFamily="49" charset="0"/>
+              </a:rPr>
+              <a:t> 01</a:t>
+            </a:r>
+            <a:r>
+              <a:rPr kumimoji="1" lang="en-US" altLang="ja-JP" b="1" dirty="0">
+                <a:solidFill>
+                  <a:srgbClr val="FF0000"/>
+                </a:solidFill>
+                <a:latin typeface="Cascadia Code" panose="020B0609020000020004" pitchFamily="49" charset="0"/>
+                <a:cs typeface="Cascadia Code" panose="020B0609020000020004" pitchFamily="49" charset="0"/>
+              </a:rPr>
+              <a:t>00</a:t>
+            </a:r>
+            <a:r>
+              <a:rPr kumimoji="1" lang="en-US" altLang="ja-JP" b="1" dirty="0">
+                <a:solidFill>
+                  <a:srgbClr val="4472C4"/>
+                </a:solidFill>
+                <a:latin typeface="Cascadia Code" panose="020B0609020000020004" pitchFamily="49" charset="0"/>
+                <a:cs typeface="Cascadia Code" panose="020B0609020000020004" pitchFamily="49" charset="0"/>
+              </a:rPr>
+              <a:t>0</a:t>
+            </a:r>
+            <a:r>
+              <a:rPr kumimoji="1" lang="en-US" altLang="ja-JP" b="1" dirty="0">
+                <a:solidFill>
+                  <a:srgbClr val="FF0000"/>
+                </a:solidFill>
+                <a:latin typeface="Cascadia Code" panose="020B0609020000020004" pitchFamily="49" charset="0"/>
+                <a:cs typeface="Cascadia Code" panose="020B0609020000020004" pitchFamily="49" charset="0"/>
+              </a:rPr>
+              <a:t>001</a:t>
+            </a:r>
+            <a:r>
+              <a:rPr kumimoji="1" lang="en-US" altLang="ja-JP" b="1" dirty="0">
+                <a:solidFill>
+                  <a:srgbClr val="4472C4"/>
+                </a:solidFill>
+                <a:latin typeface="Cascadia Code" panose="020B0609020000020004" pitchFamily="49" charset="0"/>
+                <a:cs typeface="Cascadia Code" panose="020B0609020000020004" pitchFamily="49" charset="0"/>
+              </a:rPr>
+              <a:t> </a:t>
+            </a:r>
+            <a:r>
+              <a:rPr kumimoji="1" lang="en-US" altLang="ja-JP" b="1" dirty="0">
+                <a:solidFill>
+                  <a:srgbClr val="FF0000"/>
+                </a:solidFill>
+                <a:latin typeface="Cascadia Code" panose="020B0609020000020004" pitchFamily="49" charset="0"/>
+                <a:cs typeface="Cascadia Code" panose="020B0609020000020004" pitchFamily="49" charset="0"/>
+              </a:rPr>
+              <a:t>1001</a:t>
+            </a:r>
+            <a:r>
+              <a:rPr kumimoji="1" lang="en-US" altLang="ja-JP" b="1" dirty="0">
+                <a:solidFill>
+                  <a:srgbClr val="4472C4"/>
+                </a:solidFill>
+                <a:latin typeface="Cascadia Code" panose="020B0609020000020004" pitchFamily="49" charset="0"/>
+                <a:cs typeface="Cascadia Code" panose="020B0609020000020004" pitchFamily="49" charset="0"/>
+              </a:rPr>
+              <a:t>0101</a:t>
+            </a:r>
+            <a:endParaRPr kumimoji="1" lang="ja-JP" altLang="en-US" b="1" dirty="0">
+              <a:solidFill>
+                <a:srgbClr val="4472C4"/>
+              </a:solidFill>
+              <a:latin typeface="Cascadia Code" panose="020B0609020000020004" pitchFamily="49" charset="0"/>
+              <a:cs typeface="Cascadia Code" panose="020B0609020000020004" pitchFamily="49" charset="0"/>
+            </a:endParaRPr>
+          </a:p>
+        </p:txBody>
+      </p:sp>
+      <p:pic>
+        <p:nvPicPr>
+          <p:cNvPr id="19" name="グラフィックス 18" descr="封筒 枠線">
+            <a:extLst>
+              <a:ext uri="{FF2B5EF4-FFF2-40B4-BE49-F238E27FC236}">
+                <a16:creationId xmlns:a16="http://schemas.microsoft.com/office/drawing/2014/main" id="{90EDCB29-66D9-1560-9AC4-899356875CAC}"/>
+              </a:ext>
+            </a:extLst>
+          </p:cNvPr>
+          <p:cNvPicPr>
+            <a:picLocks noChangeAspect="1"/>
+          </p:cNvPicPr>
+          <p:nvPr/>
+        </p:nvPicPr>
+        <p:blipFill>
+          <a:blip r:embed="rId4">
+            <a:extLst>
+              <a:ext uri="{28A0092B-C50C-407E-A947-70E740481C1C}">
+                <a14:useLocalDpi xmlns:a14="http://schemas.microsoft.com/office/drawing/2010/main" val="0"/>
+              </a:ext>
+              <a:ext uri="{96DAC541-7B7A-43D3-8B79-37D633B846F1}">
+                <asvg:svgBlip xmlns:asvg="http://schemas.microsoft.com/office/drawing/2016/SVG/main" r:embed="rId5"/>
+              </a:ext>
+            </a:extLst>
+          </a:blip>
+          <a:stretch>
+            <a:fillRect/>
+          </a:stretch>
+        </p:blipFill>
+        <p:spPr>
+          <a:xfrm>
+            <a:off x="685326" y="2825330"/>
+            <a:ext cx="646331" cy="646331"/>
+          </a:xfrm>
+          <a:prstGeom prst="rect">
+            <a:avLst/>
+          </a:prstGeom>
+        </p:spPr>
+      </p:pic>
+      <p:cxnSp>
+        <p:nvCxnSpPr>
+          <p:cNvPr id="21" name="直線矢印コネクタ 20">
+            <a:extLst>
+              <a:ext uri="{FF2B5EF4-FFF2-40B4-BE49-F238E27FC236}">
+                <a16:creationId xmlns:a16="http://schemas.microsoft.com/office/drawing/2014/main" id="{BBECA500-A166-192F-EE76-09A232FFC3AC}"/>
+              </a:ext>
+            </a:extLst>
+          </p:cNvPr>
+          <p:cNvCxnSpPr>
+            <a:cxnSpLocks/>
+            <a:stCxn id="9" idx="3"/>
+          </p:cNvCxnSpPr>
+          <p:nvPr/>
+        </p:nvCxnSpPr>
+        <p:spPr>
+          <a:xfrm>
+            <a:off x="3900231" y="3148496"/>
+            <a:ext cx="1760340" cy="0"/>
+          </a:xfrm>
+          <a:prstGeom prst="straightConnector1">
+            <a:avLst/>
+          </a:prstGeom>
+          <a:ln w="28575">
+            <a:prstDash val="sysDash"/>
+            <a:tailEnd type="triangle"/>
+          </a:ln>
+        </p:spPr>
+        <p:style>
+          <a:lnRef idx="1">
+            <a:schemeClr val="dk1"/>
+          </a:lnRef>
+          <a:fillRef idx="0">
+            <a:schemeClr val="dk1"/>
+          </a:fillRef>
+          <a:effectRef idx="0">
+            <a:schemeClr val="dk1"/>
+          </a:effectRef>
+          <a:fontRef idx="minor">
+            <a:schemeClr val="tx1"/>
+          </a:fontRef>
+        </p:style>
+      </p:cxnSp>
+      <p:cxnSp>
+        <p:nvCxnSpPr>
+          <p:cNvPr id="23" name="直線矢印コネクタ 22">
+            <a:extLst>
+              <a:ext uri="{FF2B5EF4-FFF2-40B4-BE49-F238E27FC236}">
+                <a16:creationId xmlns:a16="http://schemas.microsoft.com/office/drawing/2014/main" id="{E1BF1316-9180-907D-3920-E1F79C52BCD6}"/>
+              </a:ext>
+            </a:extLst>
+          </p:cNvPr>
+          <p:cNvCxnSpPr>
+            <a:cxnSpLocks/>
+          </p:cNvCxnSpPr>
+          <p:nvPr/>
+        </p:nvCxnSpPr>
+        <p:spPr>
+          <a:xfrm>
+            <a:off x="3171458" y="4046843"/>
+            <a:ext cx="2564689" cy="0"/>
+          </a:xfrm>
+          <a:prstGeom prst="straightConnector1">
+            <a:avLst/>
+          </a:prstGeom>
+          <a:ln w="28575">
+            <a:prstDash val="sysDash"/>
+            <a:tailEnd type="triangle"/>
+          </a:ln>
+        </p:spPr>
+        <p:style>
+          <a:lnRef idx="1">
+            <a:schemeClr val="dk1"/>
+          </a:lnRef>
+          <a:fillRef idx="0">
+            <a:schemeClr val="dk1"/>
+          </a:fillRef>
+          <a:effectRef idx="0">
+            <a:schemeClr val="dk1"/>
+          </a:effectRef>
+          <a:fontRef idx="minor">
+            <a:schemeClr val="tx1"/>
+          </a:fontRef>
+        </p:style>
+      </p:cxnSp>
+      <p:sp>
+        <p:nvSpPr>
+          <p:cNvPr id="27" name="テキスト ボックス 26">
+            <a:extLst>
+              <a:ext uri="{FF2B5EF4-FFF2-40B4-BE49-F238E27FC236}">
+                <a16:creationId xmlns:a16="http://schemas.microsoft.com/office/drawing/2014/main" id="{C6EE74C8-5146-9FF0-BE10-9036A1F624C5}"/>
+              </a:ext>
+            </a:extLst>
+          </p:cNvPr>
+          <p:cNvSpPr txBox="1"/>
+          <p:nvPr/>
+        </p:nvSpPr>
+        <p:spPr>
+          <a:xfrm>
+            <a:off x="5805231" y="3723678"/>
+            <a:ext cx="2525486" cy="646331"/>
+          </a:xfrm>
+          <a:prstGeom prst="rect">
+            <a:avLst/>
+          </a:prstGeom>
+          <a:noFill/>
+        </p:spPr>
+        <p:txBody>
+          <a:bodyPr wrap="square" rtlCol="0">
+            <a:spAutoFit/>
+          </a:bodyPr>
+          <a:lstStyle/>
+          <a:p>
+            <a:r>
+              <a:rPr kumimoji="1" lang="en-US" altLang="ja-JP" b="1" dirty="0">
+                <a:latin typeface="Cascadia Code" panose="020B0609020000020004" pitchFamily="49" charset="0"/>
+                <a:cs typeface="Cascadia Code" panose="020B0609020000020004" pitchFamily="49" charset="0"/>
+              </a:rPr>
+              <a:t>00000011 001100</a:t>
+            </a:r>
+            <a:r>
+              <a:rPr kumimoji="1" lang="en-US" altLang="ja-JP" b="1" dirty="0">
+                <a:solidFill>
+                  <a:srgbClr val="FF0000"/>
+                </a:solidFill>
+                <a:latin typeface="Cascadia Code" panose="020B0609020000020004" pitchFamily="49" charset="0"/>
+                <a:cs typeface="Cascadia Code" panose="020B0609020000020004" pitchFamily="49" charset="0"/>
+              </a:rPr>
+              <a:t>1</a:t>
+            </a:r>
+            <a:r>
+              <a:rPr kumimoji="1" lang="en-US" altLang="ja-JP" b="1" dirty="0">
+                <a:latin typeface="Cascadia Code" panose="020B0609020000020004" pitchFamily="49" charset="0"/>
+                <a:cs typeface="Cascadia Code" panose="020B0609020000020004" pitchFamily="49" charset="0"/>
+              </a:rPr>
+              <a:t>1 10111110 11011111</a:t>
+            </a:r>
+            <a:endParaRPr kumimoji="1" lang="ja-JP" altLang="en-US" b="1" dirty="0">
+              <a:latin typeface="Cascadia Code" panose="020B0609020000020004" pitchFamily="49" charset="0"/>
+              <a:cs typeface="Cascadia Code" panose="020B0609020000020004" pitchFamily="49" charset="0"/>
+            </a:endParaRPr>
+          </a:p>
+        </p:txBody>
+      </p:sp>
+      <p:sp>
+        <p:nvSpPr>
+          <p:cNvPr id="36" name="テキスト ボックス 35">
+            <a:extLst>
+              <a:ext uri="{FF2B5EF4-FFF2-40B4-BE49-F238E27FC236}">
+                <a16:creationId xmlns:a16="http://schemas.microsoft.com/office/drawing/2014/main" id="{327B5B81-1488-5A19-27E2-43CA20552B5E}"/>
+              </a:ext>
+            </a:extLst>
+          </p:cNvPr>
+          <p:cNvSpPr txBox="1"/>
+          <p:nvPr/>
+        </p:nvSpPr>
+        <p:spPr>
+          <a:xfrm>
+            <a:off x="5805231" y="2825330"/>
+            <a:ext cx="2525486" cy="646331"/>
+          </a:xfrm>
+          <a:prstGeom prst="rect">
+            <a:avLst/>
+          </a:prstGeom>
+          <a:noFill/>
+        </p:spPr>
+        <p:txBody>
+          <a:bodyPr wrap="square" rtlCol="0">
+            <a:spAutoFit/>
+          </a:bodyPr>
+          <a:lstStyle/>
+          <a:p>
+            <a:r>
+              <a:rPr kumimoji="1" lang="en-US" altLang="ja-JP" b="1" dirty="0">
+                <a:latin typeface="Cascadia Code" panose="020B0609020000020004" pitchFamily="49" charset="0"/>
+                <a:ea typeface="Cascadia Code" panose="020B0609020000020004" pitchFamily="49" charset="0"/>
+                <a:cs typeface="Cascadia Code" panose="020B0609020000020004" pitchFamily="49" charset="0"/>
+              </a:rPr>
+              <a:t>00000011 00110001 10111110 11011111</a:t>
+            </a:r>
+            <a:endParaRPr kumimoji="1" lang="ja-JP" altLang="en-US" b="1" dirty="0">
+              <a:latin typeface="Cascadia Code" panose="020B0609020000020004" pitchFamily="49" charset="0"/>
+              <a:cs typeface="Cascadia Code" panose="020B0609020000020004" pitchFamily="49" charset="0"/>
+            </a:endParaRPr>
+          </a:p>
+        </p:txBody>
+      </p:sp>
+      <p:sp>
+        <p:nvSpPr>
+          <p:cNvPr id="37" name="矢印: 下 36">
+            <a:extLst>
+              <a:ext uri="{FF2B5EF4-FFF2-40B4-BE49-F238E27FC236}">
+                <a16:creationId xmlns:a16="http://schemas.microsoft.com/office/drawing/2014/main" id="{874DE665-17F7-43DC-353E-705E729678B6}"/>
+              </a:ext>
+            </a:extLst>
+          </p:cNvPr>
+          <p:cNvSpPr/>
+          <p:nvPr/>
+        </p:nvSpPr>
+        <p:spPr>
+          <a:xfrm rot="10800000">
+            <a:off x="6808808" y="2163338"/>
+            <a:ext cx="415603" cy="598714"/>
+          </a:xfrm>
+          <a:prstGeom prst="downArrow">
+            <a:avLst/>
+          </a:prstGeom>
+          <a:ln w="28575"/>
+        </p:spPr>
+        <p:style>
+          <a:lnRef idx="2">
+            <a:schemeClr val="dk1"/>
+          </a:lnRef>
+          <a:fillRef idx="1">
+            <a:schemeClr val="lt1"/>
+          </a:fillRef>
+          <a:effectRef idx="0">
+            <a:schemeClr val="dk1"/>
+          </a:effectRef>
+          <a:fontRef idx="minor">
+            <a:schemeClr val="dk1"/>
+          </a:fontRef>
+        </p:style>
+        <p:txBody>
+          <a:bodyPr rtlCol="0" anchor="ctr"/>
+          <a:lstStyle/>
+          <a:p>
+            <a:pPr algn="ctr"/>
+            <a:endParaRPr kumimoji="1" lang="ja-JP" altLang="en-US"/>
+          </a:p>
+        </p:txBody>
+      </p:sp>
+      <p:sp>
+        <p:nvSpPr>
+          <p:cNvPr id="38" name="テキスト ボックス 37">
+            <a:extLst>
+              <a:ext uri="{FF2B5EF4-FFF2-40B4-BE49-F238E27FC236}">
+                <a16:creationId xmlns:a16="http://schemas.microsoft.com/office/drawing/2014/main" id="{323B4BE4-2617-5193-103E-9F3776B4A85A}"/>
+              </a:ext>
+            </a:extLst>
+          </p:cNvPr>
+          <p:cNvSpPr txBox="1"/>
+          <p:nvPr/>
+        </p:nvSpPr>
+        <p:spPr>
+          <a:xfrm>
+            <a:off x="7335815" y="2286232"/>
+            <a:ext cx="1678778" cy="369332"/>
+          </a:xfrm>
+          <a:prstGeom prst="rect">
+            <a:avLst/>
+          </a:prstGeom>
+          <a:noFill/>
+        </p:spPr>
+        <p:txBody>
+          <a:bodyPr wrap="square" rtlCol="0">
+            <a:spAutoFit/>
+          </a:bodyPr>
+          <a:lstStyle/>
+          <a:p>
+            <a:r>
+              <a:rPr kumimoji="1" lang="en-US" altLang="ja-JP" dirty="0"/>
+              <a:t>Un-scramble!</a:t>
+            </a:r>
+            <a:endParaRPr kumimoji="1" lang="ja-JP" altLang="en-US" dirty="0"/>
+          </a:p>
+        </p:txBody>
+      </p:sp>
+      <p:sp>
+        <p:nvSpPr>
+          <p:cNvPr id="39" name="テキスト ボックス 38">
+            <a:extLst>
+              <a:ext uri="{FF2B5EF4-FFF2-40B4-BE49-F238E27FC236}">
+                <a16:creationId xmlns:a16="http://schemas.microsoft.com/office/drawing/2014/main" id="{E9C0B345-7845-FA31-2AD4-3FCE6923D16C}"/>
+              </a:ext>
+            </a:extLst>
+          </p:cNvPr>
+          <p:cNvSpPr txBox="1"/>
+          <p:nvPr/>
+        </p:nvSpPr>
+        <p:spPr>
+          <a:xfrm>
+            <a:off x="5805231" y="1093667"/>
+            <a:ext cx="2525486" cy="646331"/>
+          </a:xfrm>
+          <a:prstGeom prst="rect">
+            <a:avLst/>
+          </a:prstGeom>
+          <a:noFill/>
+        </p:spPr>
+        <p:txBody>
+          <a:bodyPr wrap="square" rtlCol="0">
+            <a:spAutoFit/>
+          </a:bodyPr>
+          <a:lstStyle/>
+          <a:p>
+            <a:r>
+              <a:rPr kumimoji="1" lang="en-US" altLang="ja-JP" b="1" dirty="0">
+                <a:solidFill>
+                  <a:srgbClr val="4472C4"/>
+                </a:solidFill>
+                <a:latin typeface="Cascadia Code" panose="020B0609020000020004" pitchFamily="49" charset="0"/>
+                <a:ea typeface="Cascadia Code" panose="020B0609020000020004" pitchFamily="49" charset="0"/>
+                <a:cs typeface="Cascadia Code" panose="020B0609020000020004" pitchFamily="49" charset="0"/>
+              </a:rPr>
+              <a:t>01001100 01101111 01110110 01100101</a:t>
+            </a:r>
+            <a:endParaRPr kumimoji="1" lang="ja-JP" altLang="en-US" b="1" dirty="0">
+              <a:solidFill>
+                <a:srgbClr val="4472C4"/>
+              </a:solidFill>
+              <a:latin typeface="Cascadia Code" panose="020B0609020000020004" pitchFamily="49" charset="0"/>
+              <a:cs typeface="Cascadia Code" panose="020B0609020000020004" pitchFamily="49" charset="0"/>
+            </a:endParaRPr>
+          </a:p>
+        </p:txBody>
+      </p:sp>
+      <p:sp>
+        <p:nvSpPr>
+          <p:cNvPr id="40" name="テキスト ボックス 39">
+            <a:extLst>
+              <a:ext uri="{FF2B5EF4-FFF2-40B4-BE49-F238E27FC236}">
+                <a16:creationId xmlns:a16="http://schemas.microsoft.com/office/drawing/2014/main" id="{CB4086AC-E065-58A2-8DE2-4A8630EE1BE0}"/>
+              </a:ext>
+            </a:extLst>
+          </p:cNvPr>
+          <p:cNvSpPr txBox="1"/>
+          <p:nvPr/>
+        </p:nvSpPr>
+        <p:spPr>
+          <a:xfrm>
+            <a:off x="6530703" y="1691358"/>
+            <a:ext cx="1259598" cy="369332"/>
+          </a:xfrm>
+          <a:prstGeom prst="rect">
+            <a:avLst/>
+          </a:prstGeom>
+          <a:noFill/>
+        </p:spPr>
+        <p:txBody>
+          <a:bodyPr wrap="square" rtlCol="0">
+            <a:spAutoFit/>
+          </a:bodyPr>
+          <a:lstStyle/>
+          <a:p>
+            <a:r>
+              <a:rPr kumimoji="1" lang="en-US" altLang="ja-JP" i="1" dirty="0">
+                <a:latin typeface="Arial" panose="020B0604020202020204" pitchFamily="34" charset="0"/>
+                <a:cs typeface="Arial" panose="020B0604020202020204" pitchFamily="34" charset="0"/>
+              </a:rPr>
+              <a:t>“L o v e”</a:t>
+            </a:r>
+            <a:endParaRPr kumimoji="1" lang="ja-JP" altLang="en-US" i="1" dirty="0">
+              <a:latin typeface="Arial" panose="020B0604020202020204" pitchFamily="34" charset="0"/>
+              <a:cs typeface="Arial" panose="020B0604020202020204" pitchFamily="34" charset="0"/>
+            </a:endParaRPr>
+          </a:p>
+        </p:txBody>
+      </p:sp>
+      <p:pic>
+        <p:nvPicPr>
+          <p:cNvPr id="42" name="グラフィックス 41" descr="トラック 枠線">
+            <a:extLst>
+              <a:ext uri="{FF2B5EF4-FFF2-40B4-BE49-F238E27FC236}">
+                <a16:creationId xmlns:a16="http://schemas.microsoft.com/office/drawing/2014/main" id="{50974514-7606-33B4-0503-B02D4EC25452}"/>
+              </a:ext>
+            </a:extLst>
+          </p:cNvPr>
+          <p:cNvPicPr>
+            <a:picLocks noChangeAspect="1"/>
+          </p:cNvPicPr>
+          <p:nvPr/>
+        </p:nvPicPr>
+        <p:blipFill>
+          <a:blip r:embed="rId6">
+            <a:extLst>
+              <a:ext uri="{28A0092B-C50C-407E-A947-70E740481C1C}">
+                <a14:useLocalDpi xmlns:a14="http://schemas.microsoft.com/office/drawing/2010/main" val="0"/>
+              </a:ext>
+              <a:ext uri="{96DAC541-7B7A-43D3-8B79-37D633B846F1}">
+                <asvg:svgBlip xmlns:asvg="http://schemas.microsoft.com/office/drawing/2016/SVG/main" r:embed="rId7"/>
+              </a:ext>
+            </a:extLst>
+          </a:blip>
+          <a:stretch>
+            <a:fillRect/>
+          </a:stretch>
+        </p:blipFill>
+        <p:spPr>
+          <a:xfrm>
+            <a:off x="4512650" y="2569824"/>
+            <a:ext cx="646331" cy="646331"/>
+          </a:xfrm>
+          <a:prstGeom prst="rect">
+            <a:avLst/>
+          </a:prstGeom>
+        </p:spPr>
+      </p:pic>
+      <p:sp>
+        <p:nvSpPr>
+          <p:cNvPr id="46" name="円弧 45">
+            <a:extLst>
+              <a:ext uri="{FF2B5EF4-FFF2-40B4-BE49-F238E27FC236}">
+                <a16:creationId xmlns:a16="http://schemas.microsoft.com/office/drawing/2014/main" id="{A3CA22E5-FB17-3447-3F1B-2CFDF831A3C2}"/>
+              </a:ext>
+            </a:extLst>
+          </p:cNvPr>
+          <p:cNvSpPr/>
+          <p:nvPr/>
+        </p:nvSpPr>
+        <p:spPr>
+          <a:xfrm rot="10800000">
+            <a:off x="2607323" y="2994825"/>
+            <a:ext cx="1063528" cy="1052018"/>
+          </a:xfrm>
+          <a:prstGeom prst="arc">
+            <a:avLst/>
+          </a:prstGeom>
+          <a:ln w="28575">
+            <a:prstDash val="sysDash"/>
+          </a:ln>
+        </p:spPr>
+        <p:style>
+          <a:lnRef idx="1">
+            <a:schemeClr val="dk1"/>
+          </a:lnRef>
+          <a:fillRef idx="0">
+            <a:schemeClr val="dk1"/>
+          </a:fillRef>
+          <a:effectRef idx="0">
+            <a:schemeClr val="dk1"/>
+          </a:effectRef>
+          <a:fontRef idx="minor">
+            <a:schemeClr val="tx1"/>
+          </a:fontRef>
+        </p:style>
+        <p:txBody>
+          <a:bodyPr rtlCol="0" anchor="ctr"/>
+          <a:lstStyle/>
+          <a:p>
+            <a:pPr algn="ctr"/>
+            <a:endParaRPr kumimoji="1" lang="ja-JP" altLang="en-US"/>
+          </a:p>
+        </p:txBody>
+      </p:sp>
+      <p:pic>
+        <p:nvPicPr>
+          <p:cNvPr id="52" name="グラフィックス 51" descr="ワシ 枠線">
+            <a:extLst>
+              <a:ext uri="{FF2B5EF4-FFF2-40B4-BE49-F238E27FC236}">
+                <a16:creationId xmlns:a16="http://schemas.microsoft.com/office/drawing/2014/main" id="{A1736C00-443C-5DBE-608F-1AB0569BD94D}"/>
+              </a:ext>
+            </a:extLst>
+          </p:cNvPr>
+          <p:cNvPicPr>
+            <a:picLocks noChangeAspect="1"/>
+          </p:cNvPicPr>
+          <p:nvPr/>
+        </p:nvPicPr>
+        <p:blipFill>
+          <a:blip r:embed="rId8">
+            <a:extLst>
+              <a:ext uri="{28A0092B-C50C-407E-A947-70E740481C1C}">
+                <a14:useLocalDpi xmlns:a14="http://schemas.microsoft.com/office/drawing/2010/main" val="0"/>
+              </a:ext>
+              <a:ext uri="{96DAC541-7B7A-43D3-8B79-37D633B846F1}">
+                <asvg:svgBlip xmlns:asvg="http://schemas.microsoft.com/office/drawing/2016/SVG/main" r:embed="rId9"/>
+              </a:ext>
+            </a:extLst>
+          </a:blip>
+          <a:stretch>
+            <a:fillRect/>
+          </a:stretch>
+        </p:blipFill>
+        <p:spPr>
+          <a:xfrm>
+            <a:off x="4226237" y="3327726"/>
+            <a:ext cx="646331" cy="646331"/>
+          </a:xfrm>
+          <a:prstGeom prst="rect">
+            <a:avLst/>
+          </a:prstGeom>
+        </p:spPr>
+      </p:pic>
+      <p:pic>
+        <p:nvPicPr>
+          <p:cNvPr id="53" name="グラフィックス 52" descr="封筒 枠線">
+            <a:extLst>
+              <a:ext uri="{FF2B5EF4-FFF2-40B4-BE49-F238E27FC236}">
+                <a16:creationId xmlns:a16="http://schemas.microsoft.com/office/drawing/2014/main" id="{0E351BBD-5CA7-900B-42E9-7A8DA8A412DB}"/>
+              </a:ext>
+            </a:extLst>
+          </p:cNvPr>
+          <p:cNvPicPr>
+            <a:picLocks noChangeAspect="1"/>
+          </p:cNvPicPr>
+          <p:nvPr/>
+        </p:nvPicPr>
+        <p:blipFill>
+          <a:blip r:embed="rId4">
+            <a:extLst>
+              <a:ext uri="{28A0092B-C50C-407E-A947-70E740481C1C}">
+                <a14:useLocalDpi xmlns:a14="http://schemas.microsoft.com/office/drawing/2010/main" val="0"/>
+              </a:ext>
+              <a:ext uri="{96DAC541-7B7A-43D3-8B79-37D633B846F1}">
+                <asvg:svgBlip xmlns:asvg="http://schemas.microsoft.com/office/drawing/2016/SVG/main" r:embed="rId5"/>
+              </a:ext>
+            </a:extLst>
+          </a:blip>
+          <a:stretch>
+            <a:fillRect/>
+          </a:stretch>
+        </p:blipFill>
+        <p:spPr>
+          <a:xfrm>
+            <a:off x="4800987" y="3641845"/>
+            <a:ext cx="437607" cy="437607"/>
+          </a:xfrm>
+          <a:prstGeom prst="rect">
+            <a:avLst/>
+          </a:prstGeom>
+        </p:spPr>
+      </p:pic>
+      <p:sp>
+        <p:nvSpPr>
+          <p:cNvPr id="55" name="矢印: 下 54">
+            <a:extLst>
+              <a:ext uri="{FF2B5EF4-FFF2-40B4-BE49-F238E27FC236}">
+                <a16:creationId xmlns:a16="http://schemas.microsoft.com/office/drawing/2014/main" id="{403888CF-AA3B-A28E-7CA2-50FD965429B0}"/>
+              </a:ext>
+            </a:extLst>
+          </p:cNvPr>
+          <p:cNvSpPr/>
+          <p:nvPr/>
+        </p:nvSpPr>
+        <p:spPr>
+          <a:xfrm>
+            <a:off x="6808808" y="4433936"/>
+            <a:ext cx="415603" cy="598714"/>
+          </a:xfrm>
+          <a:prstGeom prst="downArrow">
+            <a:avLst/>
+          </a:prstGeom>
+          <a:ln w="28575"/>
+        </p:spPr>
+        <p:style>
+          <a:lnRef idx="2">
+            <a:schemeClr val="dk1"/>
+          </a:lnRef>
+          <a:fillRef idx="1">
+            <a:schemeClr val="lt1"/>
+          </a:fillRef>
+          <a:effectRef idx="0">
+            <a:schemeClr val="dk1"/>
+          </a:effectRef>
+          <a:fontRef idx="minor">
+            <a:schemeClr val="dk1"/>
+          </a:fontRef>
+        </p:style>
+        <p:txBody>
+          <a:bodyPr rtlCol="0" anchor="ctr"/>
+          <a:lstStyle/>
+          <a:p>
+            <a:pPr algn="ctr"/>
+            <a:endParaRPr kumimoji="1" lang="ja-JP" altLang="en-US"/>
+          </a:p>
+        </p:txBody>
+      </p:sp>
+      <p:sp>
+        <p:nvSpPr>
+          <p:cNvPr id="56" name="テキスト ボックス 55">
+            <a:extLst>
+              <a:ext uri="{FF2B5EF4-FFF2-40B4-BE49-F238E27FC236}">
+                <a16:creationId xmlns:a16="http://schemas.microsoft.com/office/drawing/2014/main" id="{6BDC00E2-1464-6E20-B4C0-154EEAB1B5DB}"/>
+              </a:ext>
+            </a:extLst>
+          </p:cNvPr>
+          <p:cNvSpPr txBox="1"/>
+          <p:nvPr/>
+        </p:nvSpPr>
+        <p:spPr>
+          <a:xfrm>
+            <a:off x="7312822" y="4557480"/>
+            <a:ext cx="1678778" cy="369332"/>
+          </a:xfrm>
+          <a:prstGeom prst="rect">
+            <a:avLst/>
+          </a:prstGeom>
+          <a:noFill/>
+        </p:spPr>
+        <p:txBody>
+          <a:bodyPr wrap="square" rtlCol="0">
+            <a:spAutoFit/>
+          </a:bodyPr>
+          <a:lstStyle/>
+          <a:p>
+            <a:r>
+              <a:rPr kumimoji="1" lang="en-US" altLang="ja-JP" dirty="0"/>
+              <a:t>Un-scramble!</a:t>
+            </a:r>
+            <a:endParaRPr kumimoji="1" lang="ja-JP" altLang="en-US" dirty="0"/>
+          </a:p>
+        </p:txBody>
+      </p:sp>
+      <p:sp>
+        <p:nvSpPr>
+          <p:cNvPr id="57" name="テキスト ボックス 56">
+            <a:extLst>
+              <a:ext uri="{FF2B5EF4-FFF2-40B4-BE49-F238E27FC236}">
+                <a16:creationId xmlns:a16="http://schemas.microsoft.com/office/drawing/2014/main" id="{A75C87E4-DD90-92E1-36F0-A22003DDBF93}"/>
+              </a:ext>
+            </a:extLst>
+          </p:cNvPr>
+          <p:cNvSpPr txBox="1"/>
+          <p:nvPr/>
+        </p:nvSpPr>
+        <p:spPr>
+          <a:xfrm>
+            <a:off x="8265526" y="3753743"/>
+            <a:ext cx="1983497" cy="646331"/>
+          </a:xfrm>
+          <a:prstGeom prst="rect">
+            <a:avLst/>
+          </a:prstGeom>
+          <a:noFill/>
+        </p:spPr>
+        <p:txBody>
+          <a:bodyPr wrap="square" rtlCol="0">
+            <a:spAutoFit/>
+          </a:bodyPr>
+          <a:lstStyle/>
+          <a:p>
+            <a:r>
+              <a:rPr kumimoji="1" lang="ja-JP" altLang="en-US" dirty="0"/>
+              <a:t>通信時の僅かなエラー</a:t>
+            </a:r>
+          </a:p>
+        </p:txBody>
+      </p:sp>
+      <p:sp>
+        <p:nvSpPr>
+          <p:cNvPr id="58" name="テキスト ボックス 57">
+            <a:extLst>
+              <a:ext uri="{FF2B5EF4-FFF2-40B4-BE49-F238E27FC236}">
+                <a16:creationId xmlns:a16="http://schemas.microsoft.com/office/drawing/2014/main" id="{4277FCDF-F138-EB3F-D1EE-B45370B8E3B8}"/>
+              </a:ext>
+            </a:extLst>
+          </p:cNvPr>
+          <p:cNvSpPr txBox="1"/>
+          <p:nvPr/>
+        </p:nvSpPr>
+        <p:spPr>
+          <a:xfrm>
+            <a:off x="1173339" y="2249386"/>
+            <a:ext cx="1502229" cy="369332"/>
+          </a:xfrm>
+          <a:prstGeom prst="rect">
+            <a:avLst/>
+          </a:prstGeom>
+          <a:noFill/>
+        </p:spPr>
+        <p:txBody>
+          <a:bodyPr wrap="square" rtlCol="0">
+            <a:spAutoFit/>
+          </a:bodyPr>
+          <a:lstStyle/>
+          <a:p>
+            <a:r>
+              <a:rPr kumimoji="1" lang="en-US" altLang="ja-JP" dirty="0"/>
+              <a:t>Scramble!</a:t>
+            </a:r>
+            <a:endParaRPr kumimoji="1" lang="ja-JP" altLang="en-US" dirty="0"/>
+          </a:p>
+        </p:txBody>
+      </p:sp>
+      <p:sp>
+        <p:nvSpPr>
+          <p:cNvPr id="59" name="テキスト ボックス 58">
+            <a:extLst>
+              <a:ext uri="{FF2B5EF4-FFF2-40B4-BE49-F238E27FC236}">
+                <a16:creationId xmlns:a16="http://schemas.microsoft.com/office/drawing/2014/main" id="{3099F58F-2FF9-E39E-A3F0-AC11E26DDC29}"/>
+              </a:ext>
+            </a:extLst>
+          </p:cNvPr>
+          <p:cNvSpPr txBox="1"/>
+          <p:nvPr/>
+        </p:nvSpPr>
+        <p:spPr>
+          <a:xfrm>
+            <a:off x="4105106" y="2361100"/>
+            <a:ext cx="1350590" cy="369332"/>
+          </a:xfrm>
+          <a:prstGeom prst="rect">
+            <a:avLst/>
+          </a:prstGeom>
+          <a:noFill/>
+        </p:spPr>
+        <p:txBody>
+          <a:bodyPr wrap="square" rtlCol="0">
+            <a:spAutoFit/>
+          </a:bodyPr>
+          <a:lstStyle/>
+          <a:p>
+            <a:r>
+              <a:rPr kumimoji="1" lang="ja-JP" altLang="en-US" dirty="0"/>
+              <a:t>良い通信路</a:t>
+            </a:r>
+          </a:p>
+        </p:txBody>
+      </p:sp>
+      <p:sp>
+        <p:nvSpPr>
+          <p:cNvPr id="60" name="テキスト ボックス 59">
+            <a:extLst>
+              <a:ext uri="{FF2B5EF4-FFF2-40B4-BE49-F238E27FC236}">
+                <a16:creationId xmlns:a16="http://schemas.microsoft.com/office/drawing/2014/main" id="{915AD880-23C1-C215-C23A-E8FBBB254469}"/>
+              </a:ext>
+            </a:extLst>
+          </p:cNvPr>
+          <p:cNvSpPr txBox="1"/>
+          <p:nvPr/>
+        </p:nvSpPr>
+        <p:spPr>
+          <a:xfrm>
+            <a:off x="4084045" y="4103510"/>
+            <a:ext cx="1433882" cy="369332"/>
+          </a:xfrm>
+          <a:prstGeom prst="rect">
+            <a:avLst/>
+          </a:prstGeom>
+          <a:noFill/>
+        </p:spPr>
+        <p:txBody>
+          <a:bodyPr wrap="square" rtlCol="0">
+            <a:spAutoFit/>
+          </a:bodyPr>
+          <a:lstStyle/>
+          <a:p>
+            <a:r>
+              <a:rPr kumimoji="1" lang="ja-JP" altLang="en-US" dirty="0"/>
+              <a:t>悪い通信路</a:t>
+            </a:r>
+          </a:p>
+        </p:txBody>
+      </p:sp>
+      <p:sp>
+        <p:nvSpPr>
+          <p:cNvPr id="61" name="テキスト ボックス 60">
+            <a:extLst>
+              <a:ext uri="{FF2B5EF4-FFF2-40B4-BE49-F238E27FC236}">
+                <a16:creationId xmlns:a16="http://schemas.microsoft.com/office/drawing/2014/main" id="{D31E9C47-E64B-A76F-204D-9C75634F13ED}"/>
+              </a:ext>
+            </a:extLst>
+          </p:cNvPr>
+          <p:cNvSpPr txBox="1"/>
+          <p:nvPr/>
+        </p:nvSpPr>
+        <p:spPr>
+          <a:xfrm>
+            <a:off x="6438175" y="5728009"/>
+            <a:ext cx="1259598" cy="369332"/>
+          </a:xfrm>
+          <a:prstGeom prst="rect">
+            <a:avLst/>
+          </a:prstGeom>
+          <a:noFill/>
+        </p:spPr>
+        <p:txBody>
+          <a:bodyPr wrap="square" rtlCol="0">
+            <a:spAutoFit/>
+          </a:bodyPr>
+          <a:lstStyle/>
+          <a:p>
+            <a:r>
+              <a:rPr kumimoji="1" lang="en-US" altLang="ja-JP" i="1" dirty="0">
+                <a:latin typeface="Arial" panose="020B0604020202020204" pitchFamily="34" charset="0"/>
+                <a:cs typeface="Arial" panose="020B0604020202020204" pitchFamily="34" charset="0"/>
+              </a:rPr>
+              <a:t>“</a:t>
+            </a:r>
+            <a:r>
+              <a:rPr lang="ja-JP" altLang="en-US" dirty="0">
+                <a:solidFill>
+                  <a:schemeClr val="accent2"/>
+                </a:solidFill>
+              </a:rPr>
+              <a:t>􏿾</a:t>
+            </a:r>
+            <a:r>
+              <a:rPr lang="ja-JP" altLang="en-US" dirty="0"/>
+              <a:t> </a:t>
+            </a:r>
+            <a:r>
+              <a:rPr kumimoji="1" lang="en-US" altLang="ja-JP" i="1" dirty="0">
+                <a:latin typeface="Arial" panose="020B0604020202020204" pitchFamily="34" charset="0"/>
+                <a:cs typeface="Arial" panose="020B0604020202020204" pitchFamily="34" charset="0"/>
+              </a:rPr>
+              <a:t>.</a:t>
+            </a:r>
+            <a:r>
+              <a:rPr lang="ja-JP" altLang="en-US" dirty="0">
+                <a:solidFill>
+                  <a:schemeClr val="accent2"/>
+                </a:solidFill>
+              </a:rPr>
+              <a:t>􏿾</a:t>
+            </a:r>
+            <a:r>
+              <a:rPr lang="ja-JP" altLang="en-US" dirty="0"/>
+              <a:t> </a:t>
+            </a:r>
+            <a:r>
+              <a:rPr kumimoji="1" lang="en-US" altLang="ja-JP" i="1" dirty="0">
+                <a:latin typeface="Arial" panose="020B0604020202020204" pitchFamily="34" charset="0"/>
+                <a:cs typeface="Arial" panose="020B0604020202020204" pitchFamily="34" charset="0"/>
+              </a:rPr>
+              <a:t>A”</a:t>
+            </a:r>
+            <a:endParaRPr kumimoji="1" lang="ja-JP" altLang="en-US" i="1" dirty="0">
+              <a:latin typeface="Arial" panose="020B0604020202020204" pitchFamily="34" charset="0"/>
+              <a:cs typeface="Arial" panose="020B0604020202020204" pitchFamily="34" charset="0"/>
+            </a:endParaRPr>
+          </a:p>
+        </p:txBody>
+      </p:sp>
+      <p:pic>
+        <p:nvPicPr>
+          <p:cNvPr id="67" name="グラフィックス 66" descr="2 つのハート 枠線">
+            <a:extLst>
+              <a:ext uri="{FF2B5EF4-FFF2-40B4-BE49-F238E27FC236}">
+                <a16:creationId xmlns:a16="http://schemas.microsoft.com/office/drawing/2014/main" id="{A61BDB7A-76C7-A2DA-E0D8-54AB1A53B941}"/>
+              </a:ext>
+            </a:extLst>
+          </p:cNvPr>
+          <p:cNvPicPr>
+            <a:picLocks noChangeAspect="1"/>
+          </p:cNvPicPr>
+          <p:nvPr/>
+        </p:nvPicPr>
+        <p:blipFill>
+          <a:blip r:embed="rId10">
+            <a:extLst>
+              <a:ext uri="{28A0092B-C50C-407E-A947-70E740481C1C}">
+                <a14:useLocalDpi xmlns:a14="http://schemas.microsoft.com/office/drawing/2010/main" val="0"/>
+              </a:ext>
+              <a:ext uri="{96DAC541-7B7A-43D3-8B79-37D633B846F1}">
+                <asvg:svgBlip xmlns:asvg="http://schemas.microsoft.com/office/drawing/2016/SVG/main" r:embed="rId11"/>
+              </a:ext>
+            </a:extLst>
+          </a:blip>
+          <a:stretch>
+            <a:fillRect/>
+          </a:stretch>
+        </p:blipFill>
+        <p:spPr>
+          <a:xfrm>
+            <a:off x="9014593" y="1010109"/>
+            <a:ext cx="656286" cy="656286"/>
+          </a:xfrm>
+          <a:prstGeom prst="rect">
+            <a:avLst/>
+          </a:prstGeom>
+        </p:spPr>
+      </p:pic>
+      <p:pic>
+        <p:nvPicPr>
+          <p:cNvPr id="68" name="グラフィックス 67" descr="封筒を開く 枠線">
+            <a:extLst>
+              <a:ext uri="{FF2B5EF4-FFF2-40B4-BE49-F238E27FC236}">
+                <a16:creationId xmlns:a16="http://schemas.microsoft.com/office/drawing/2014/main" id="{5F841680-0ABA-7A03-1BFA-13F1F4EE9BA3}"/>
+              </a:ext>
+            </a:extLst>
+          </p:cNvPr>
+          <p:cNvPicPr>
+            <a:picLocks noChangeAspect="1"/>
+          </p:cNvPicPr>
+          <p:nvPr/>
+        </p:nvPicPr>
+        <p:blipFill>
+          <a:blip r:embed="rId2">
+            <a:extLst>
+              <a:ext uri="{28A0092B-C50C-407E-A947-70E740481C1C}">
+                <a14:useLocalDpi xmlns:a14="http://schemas.microsoft.com/office/drawing/2010/main" val="0"/>
+              </a:ext>
+              <a:ext uri="{96DAC541-7B7A-43D3-8B79-37D633B846F1}">
+                <asvg:svgBlip xmlns:asvg="http://schemas.microsoft.com/office/drawing/2016/SVG/main" r:embed="rId3"/>
+              </a:ext>
+            </a:extLst>
+          </a:blip>
+          <a:stretch>
+            <a:fillRect/>
+          </a:stretch>
+        </p:blipFill>
+        <p:spPr>
+          <a:xfrm>
+            <a:off x="8162446" y="4854634"/>
+            <a:ext cx="639764" cy="639764"/>
+          </a:xfrm>
+          <a:prstGeom prst="rect">
+            <a:avLst/>
+          </a:prstGeom>
+        </p:spPr>
+      </p:pic>
+      <p:sp>
+        <p:nvSpPr>
+          <p:cNvPr id="69" name="テキスト ボックス 68">
+            <a:extLst>
+              <a:ext uri="{FF2B5EF4-FFF2-40B4-BE49-F238E27FC236}">
+                <a16:creationId xmlns:a16="http://schemas.microsoft.com/office/drawing/2014/main" id="{E129134B-B8AA-8D11-02DD-A1C34A4E479B}"/>
+              </a:ext>
+            </a:extLst>
+          </p:cNvPr>
+          <p:cNvSpPr txBox="1"/>
+          <p:nvPr/>
+        </p:nvSpPr>
+        <p:spPr>
+          <a:xfrm>
+            <a:off x="6144985" y="6020838"/>
+            <a:ext cx="1645316" cy="369332"/>
+          </a:xfrm>
+          <a:prstGeom prst="rect">
+            <a:avLst/>
+          </a:prstGeom>
+          <a:noFill/>
+        </p:spPr>
+        <p:txBody>
+          <a:bodyPr wrap="square" rtlCol="0">
+            <a:spAutoFit/>
+          </a:bodyPr>
+          <a:lstStyle/>
+          <a:p>
+            <a:r>
+              <a:rPr kumimoji="1" lang="ja-JP" altLang="en-US" b="1" dirty="0">
+                <a:solidFill>
+                  <a:schemeClr val="accent2"/>
+                </a:solidFill>
+              </a:rPr>
+              <a:t>非</a:t>
+            </a:r>
+            <a:r>
+              <a:rPr kumimoji="1" lang="en-US" altLang="ja-JP" b="1" dirty="0">
+                <a:solidFill>
+                  <a:schemeClr val="accent2"/>
+                </a:solidFill>
+              </a:rPr>
+              <a:t>ASCII </a:t>
+            </a:r>
+            <a:r>
+              <a:rPr kumimoji="1" lang="ja-JP" altLang="en-US" b="1" dirty="0">
+                <a:solidFill>
+                  <a:schemeClr val="accent2"/>
+                </a:solidFill>
+              </a:rPr>
+              <a:t>文字</a:t>
+            </a:r>
+          </a:p>
+        </p:txBody>
+      </p:sp>
+      <p:sp>
+        <p:nvSpPr>
+          <p:cNvPr id="70" name="思考の吹き出し: 雲形 69">
+            <a:extLst>
+              <a:ext uri="{FF2B5EF4-FFF2-40B4-BE49-F238E27FC236}">
+                <a16:creationId xmlns:a16="http://schemas.microsoft.com/office/drawing/2014/main" id="{DF70C17A-4D65-0A62-6812-08A4E5587819}"/>
+              </a:ext>
+            </a:extLst>
+          </p:cNvPr>
+          <p:cNvSpPr/>
+          <p:nvPr/>
+        </p:nvSpPr>
+        <p:spPr>
+          <a:xfrm>
+            <a:off x="8547397" y="5315640"/>
+            <a:ext cx="1745696" cy="726568"/>
+          </a:xfrm>
+          <a:prstGeom prst="cloudCallout">
+            <a:avLst>
+              <a:gd name="adj1" fmla="val -56481"/>
+              <a:gd name="adj2" fmla="val 48043"/>
+            </a:avLst>
+          </a:prstGeom>
+          <a:noFill/>
+          <a:ln>
             <a:solidFill>
-              <a:schemeClr val="tx1">
-                <a:lumMod val="95000"/>
-                <a:lumOff val="5000"/>
-              </a:schemeClr>
+              <a:schemeClr val="tx1"/>
             </a:solidFill>
           </a:ln>
         </p:spPr>
@@ -5213,52 +6642,97 @@
           <a:lstStyle/>
           <a:p>
             <a:pPr algn="ctr"/>
-            <a:endParaRPr kumimoji="1" lang="ja-JP" altLang="en-US"/>
-          </a:p>
-        </p:txBody>
-      </p:sp>
-      <p:sp>
-        <p:nvSpPr>
-          <p:cNvPr id="6" name="テキスト ボックス 5">
-            <a:extLst>
-              <a:ext uri="{FF2B5EF4-FFF2-40B4-BE49-F238E27FC236}">
-                <a16:creationId xmlns:a16="http://schemas.microsoft.com/office/drawing/2014/main" id="{FE9D2595-76F4-C8C0-2D09-8C1067B12F18}"/>
-              </a:ext>
-            </a:extLst>
-          </p:cNvPr>
-          <p:cNvSpPr txBox="1"/>
+            <a:r>
+              <a:rPr lang="ja-JP" altLang="en-US" sz="1400" dirty="0">
+                <a:solidFill>
+                  <a:schemeClr val="tx1"/>
+                </a:solidFill>
+              </a:rPr>
+              <a:t>途中で壊れていそう</a:t>
+            </a:r>
+            <a:endParaRPr kumimoji="1" lang="ja-JP" altLang="en-US" sz="1400" dirty="0">
+              <a:solidFill>
+                <a:schemeClr val="tx1"/>
+              </a:solidFill>
+            </a:endParaRPr>
+          </a:p>
+        </p:txBody>
+      </p:sp>
+      <p:pic>
+        <p:nvPicPr>
+          <p:cNvPr id="72" name="グラフィックス 71" descr="困った顔 (塗りつぶしなし) 枠線">
+            <a:extLst>
+              <a:ext uri="{FF2B5EF4-FFF2-40B4-BE49-F238E27FC236}">
+                <a16:creationId xmlns:a16="http://schemas.microsoft.com/office/drawing/2014/main" id="{2997C5B7-95B1-4903-037D-9A63A65F22D8}"/>
+              </a:ext>
+            </a:extLst>
+          </p:cNvPr>
+          <p:cNvPicPr>
+            <a:picLocks noChangeAspect="1"/>
+          </p:cNvPicPr>
           <p:nvPr/>
-        </p:nvSpPr>
-        <p:spPr>
-          <a:xfrm>
-            <a:off x="2432957" y="1650360"/>
-            <a:ext cx="2977243" cy="369332"/>
+        </p:nvPicPr>
+        <p:blipFill>
+          <a:blip r:embed="rId12">
+            <a:extLst>
+              <a:ext uri="{28A0092B-C50C-407E-A947-70E740481C1C}">
+                <a14:useLocalDpi xmlns:a14="http://schemas.microsoft.com/office/drawing/2010/main" val="0"/>
+              </a:ext>
+              <a:ext uri="{96DAC541-7B7A-43D3-8B79-37D633B846F1}">
+                <asvg:svgBlip xmlns:asvg="http://schemas.microsoft.com/office/drawing/2016/SVG/main" r:embed="rId13"/>
+              </a:ext>
+            </a:extLst>
+          </a:blip>
+          <a:stretch>
+            <a:fillRect/>
+          </a:stretch>
+        </p:blipFill>
+        <p:spPr>
+          <a:xfrm>
+            <a:off x="7856880" y="5806837"/>
+            <a:ext cx="531409" cy="531409"/>
           </a:xfrm>
           <a:prstGeom prst="rect">
             <a:avLst/>
           </a:prstGeom>
-          <a:noFill/>
-        </p:spPr>
-        <p:txBody>
-          <a:bodyPr wrap="square" rtlCol="0">
-            <a:spAutoFit/>
-          </a:bodyPr>
-          <a:lstStyle/>
-          <a:p>
-            <a:r>
-              <a:rPr kumimoji="1" lang="en-US" altLang="ja-JP" dirty="0"/>
-              <a:t>Possible data with N byte</a:t>
-            </a:r>
-            <a:endParaRPr kumimoji="1" lang="ja-JP" altLang="en-US" dirty="0"/>
-          </a:p>
-        </p:txBody>
-      </p:sp>
-      <p:sp>
-        <p:nvSpPr>
-          <p:cNvPr id="7" name="楕円 6">
-            <a:extLst>
-              <a:ext uri="{FF2B5EF4-FFF2-40B4-BE49-F238E27FC236}">
-                <a16:creationId xmlns:a16="http://schemas.microsoft.com/office/drawing/2014/main" id="{98B620D7-F6ED-5868-B431-D7ABF7476294}"/>
+        </p:spPr>
+      </p:pic>
+    </p:spTree>
+    <p:extLst>
+      <p:ext uri="{BB962C8B-B14F-4D97-AF65-F5344CB8AC3E}">
+        <p14:creationId xmlns:p14="http://schemas.microsoft.com/office/powerpoint/2010/main" val="2369904636"/>
+      </p:ext>
+    </p:extLst>
+  </p:cSld>
+  <p:clrMapOvr>
+    <a:masterClrMapping/>
+  </p:clrMapOvr>
+</p:sld>
+</file>
+
+<file path=ppt/slides/slide3.xml><?xml version="1.0" encoding="utf-8"?>
+<p:sld xmlns:a="http://schemas.openxmlformats.org/drawingml/2006/main" xmlns:r="http://schemas.openxmlformats.org/officeDocument/2006/relationships" xmlns:p="http://schemas.openxmlformats.org/presentationml/2006/main">
+  <p:cSld>
+    <p:spTree>
+      <p:nvGrpSpPr>
+        <p:cNvPr id="1" name=""/>
+        <p:cNvGrpSpPr/>
+        <p:nvPr/>
+      </p:nvGrpSpPr>
+      <p:grpSpPr>
+        <a:xfrm>
+          <a:off x="0" y="0"/>
+          <a:ext cx="0" cy="0"/>
+          <a:chOff x="0" y="0"/>
+          <a:chExt cx="0" cy="0"/>
+        </a:xfrm>
+      </p:grpSpPr>
+      <p:sp>
+        <p:nvSpPr>
+          <p:cNvPr id="4" name="楕円 3">
+            <a:extLst>
+              <a:ext uri="{FF2B5EF4-FFF2-40B4-BE49-F238E27FC236}">
+                <a16:creationId xmlns:a16="http://schemas.microsoft.com/office/drawing/2014/main" id="{FD031EA4-40D9-708D-1747-5B0DCD3CF864}"/>
               </a:ext>
             </a:extLst>
           </p:cNvPr>
@@ -5267,12 +6741,21 @@
         </p:nvSpPr>
         <p:spPr>
           <a:xfrm>
-            <a:off x="2677886" y="2631622"/>
-            <a:ext cx="114300" cy="103414"/>
+            <a:off x="2171701" y="2046515"/>
+            <a:ext cx="3499757" cy="1273628"/>
           </a:xfrm>
           <a:prstGeom prst="ellipse">
             <a:avLst/>
           </a:prstGeom>
+          <a:noFill/>
+          <a:ln w="38100">
+            <a:solidFill>
+              <a:schemeClr val="tx1">
+                <a:lumMod val="95000"/>
+                <a:lumOff val="5000"/>
+              </a:schemeClr>
+            </a:solidFill>
+          </a:ln>
         </p:spPr>
         <p:style>
           <a:lnRef idx="2">
@@ -5301,10 +6784,46 @@
       </p:sp>
       <p:sp>
         <p:nvSpPr>
-          <p:cNvPr id="8" name="吹き出し: 角を丸めた四角形 7">
-            <a:extLst>
-              <a:ext uri="{FF2B5EF4-FFF2-40B4-BE49-F238E27FC236}">
-                <a16:creationId xmlns:a16="http://schemas.microsoft.com/office/drawing/2014/main" id="{5417D7D2-94C8-22D6-6B02-B9F690E04667}"/>
+          <p:cNvPr id="6" name="テキスト ボックス 5">
+            <a:extLst>
+              <a:ext uri="{FF2B5EF4-FFF2-40B4-BE49-F238E27FC236}">
+                <a16:creationId xmlns:a16="http://schemas.microsoft.com/office/drawing/2014/main" id="{FE9D2595-76F4-C8C0-2D09-8C1067B12F18}"/>
+              </a:ext>
+            </a:extLst>
+          </p:cNvPr>
+          <p:cNvSpPr txBox="1"/>
+          <p:nvPr/>
+        </p:nvSpPr>
+        <p:spPr>
+          <a:xfrm>
+            <a:off x="2432957" y="1650360"/>
+            <a:ext cx="3004457" cy="369332"/>
+          </a:xfrm>
+          <a:prstGeom prst="rect">
+            <a:avLst/>
+          </a:prstGeom>
+          <a:noFill/>
+        </p:spPr>
+        <p:txBody>
+          <a:bodyPr wrap="square" rtlCol="0">
+            <a:spAutoFit/>
+          </a:bodyPr>
+          <a:lstStyle/>
+          <a:p>
+            <a:r>
+              <a:rPr kumimoji="1" lang="en-US" altLang="ja-JP" dirty="0"/>
+              <a:t>Possible data with N bytes</a:t>
+            </a:r>
+            <a:endParaRPr kumimoji="1" lang="ja-JP" altLang="en-US" dirty="0"/>
+          </a:p>
+        </p:txBody>
+      </p:sp>
+      <p:sp>
+        <p:nvSpPr>
+          <p:cNvPr id="7" name="楕円 6">
+            <a:extLst>
+              <a:ext uri="{FF2B5EF4-FFF2-40B4-BE49-F238E27FC236}">
+                <a16:creationId xmlns:a16="http://schemas.microsoft.com/office/drawing/2014/main" id="{98B620D7-F6ED-5868-B431-D7ABF7476294}"/>
               </a:ext>
             </a:extLst>
           </p:cNvPr>
@@ -5313,24 +6832,12 @@
         </p:nvSpPr>
         <p:spPr>
           <a:xfrm>
-            <a:off x="3501117" y="3265714"/>
-            <a:ext cx="2377169" cy="772885"/>
-          </a:xfrm>
-          <a:prstGeom prst="wedgeRoundRectCallout">
-            <a:avLst>
-              <a:gd name="adj1" fmla="val -73555"/>
-              <a:gd name="adj2" fmla="val -122537"/>
-              <a:gd name="adj3" fmla="val 16667"/>
-            </a:avLst>
+            <a:off x="2677886" y="2631622"/>
+            <a:ext cx="114300" cy="103414"/>
+          </a:xfrm>
+          <a:prstGeom prst="ellipse">
+            <a:avLst/>
           </a:prstGeom>
-          <a:solidFill>
-            <a:schemeClr val="bg1"/>
-          </a:solidFill>
-          <a:ln>
-            <a:solidFill>
-              <a:srgbClr val="0070C0"/>
-            </a:solidFill>
-          </a:ln>
         </p:spPr>
         <p:style>
           <a:lnRef idx="2">
@@ -5353,13 +6860,71 @@
           <a:lstStyle/>
           <a:p>
             <a:pPr algn="ctr"/>
+            <a:endParaRPr kumimoji="1" lang="ja-JP" altLang="en-US"/>
+          </a:p>
+        </p:txBody>
+      </p:sp>
+      <p:sp>
+        <p:nvSpPr>
+          <p:cNvPr id="8" name="吹き出し: 角を丸めた四角形 7">
+            <a:extLst>
+              <a:ext uri="{FF2B5EF4-FFF2-40B4-BE49-F238E27FC236}">
+                <a16:creationId xmlns:a16="http://schemas.microsoft.com/office/drawing/2014/main" id="{5417D7D2-94C8-22D6-6B02-B9F690E04667}"/>
+              </a:ext>
+            </a:extLst>
+          </p:cNvPr>
+          <p:cNvSpPr/>
+          <p:nvPr/>
+        </p:nvSpPr>
+        <p:spPr>
+          <a:xfrm>
+            <a:off x="3501117" y="3265714"/>
+            <a:ext cx="2377169" cy="772885"/>
+          </a:xfrm>
+          <a:prstGeom prst="wedgeRoundRectCallout">
+            <a:avLst>
+              <a:gd name="adj1" fmla="val -73555"/>
+              <a:gd name="adj2" fmla="val -122537"/>
+              <a:gd name="adj3" fmla="val 16667"/>
+            </a:avLst>
+          </a:prstGeom>
+          <a:solidFill>
+            <a:schemeClr val="bg1"/>
+          </a:solidFill>
+          <a:ln>
+            <a:solidFill>
+              <a:srgbClr val="0070C0"/>
+            </a:solidFill>
+          </a:ln>
+        </p:spPr>
+        <p:style>
+          <a:lnRef idx="2">
+            <a:schemeClr val="accent1">
+              <a:shade val="50000"/>
+            </a:schemeClr>
+          </a:lnRef>
+          <a:fillRef idx="1">
+            <a:schemeClr val="accent1"/>
+          </a:fillRef>
+          <a:effectRef idx="0">
+            <a:schemeClr val="accent1"/>
+          </a:effectRef>
+          <a:fontRef idx="minor">
+            <a:schemeClr val="lt1"/>
+          </a:fontRef>
+        </p:style>
+        <p:txBody>
+          <a:bodyPr rtlCol="0" anchor="ctr"/>
+          <a:lstStyle/>
+          <a:p>
+            <a:pPr algn="ctr"/>
             <a:r>
               <a:rPr lang="en-US" altLang="ja-JP" dirty="0">
                 <a:solidFill>
                   <a:schemeClr val="tx1"/>
                 </a:solidFill>
               </a:rPr>
-              <a:t>String of N characters may use</a:t>
+              <a:t>String of N ASCII characters may use</a:t>
             </a:r>
             <a:endParaRPr kumimoji="1" lang="ja-JP" altLang="en-US" dirty="0">
               <a:solidFill>
@@ -5382,7 +6947,7 @@
 </p:sld>
 </file>
 
-<file path=ppt/slides/slide3.xml><?xml version="1.0" encoding="utf-8"?>
+<file path=ppt/slides/slide4.xml><?xml version="1.0" encoding="utf-8"?>
 <p:sld xmlns:a="http://schemas.openxmlformats.org/drawingml/2006/main" xmlns:r="http://schemas.openxmlformats.org/officeDocument/2006/relationships" xmlns:p="http://schemas.openxmlformats.org/presentationml/2006/main">
   <p:cSld>
     <p:spTree>
